--- a/ckt.pptx
+++ b/ckt.pptx
@@ -6,6 +6,7 @@
   </p:sldMasterIdLst>
   <p:sldIdLst>
     <p:sldId id="256" r:id="rId2"/>
+    <p:sldId id="257" r:id="rId3"/>
   </p:sldIdLst>
   <p:sldSz cx="12192000" cy="6858000"/>
   <p:notesSz cx="6858000" cy="9144000"/>
@@ -104,6 +105,11 @@
       </a:defRPr>
     </a:lvl9pPr>
   </p:defaultTextStyle>
+  <p:extLst>
+    <p:ext uri="{EFAFB233-063F-42B5-8137-9DF3F51BA10A}">
+      <p15:sldGuideLst xmlns:p15="http://schemas.microsoft.com/office/powerpoint/2012/main"/>
+    </p:ext>
+  </p:extLst>
 </p:presentation>
 </file>
 
@@ -256,7 +262,7 @@
           <a:p>
             <a:fld id="{8BD37016-1888-C547-8CCF-6B0A88C49181}" type="datetimeFigureOut">
               <a:rPr lang="en-BD" smtClean="0"/>
-              <a:t>12/10/25</a:t>
+              <a:t>23/10/25</a:t>
             </a:fld>
             <a:endParaRPr lang="en-BD"/>
           </a:p>
@@ -456,7 +462,7 @@
           <a:p>
             <a:fld id="{8BD37016-1888-C547-8CCF-6B0A88C49181}" type="datetimeFigureOut">
               <a:rPr lang="en-BD" smtClean="0"/>
-              <a:t>12/10/25</a:t>
+              <a:t>23/10/25</a:t>
             </a:fld>
             <a:endParaRPr lang="en-BD"/>
           </a:p>
@@ -666,7 +672,7 @@
           <a:p>
             <a:fld id="{8BD37016-1888-C547-8CCF-6B0A88C49181}" type="datetimeFigureOut">
               <a:rPr lang="en-BD" smtClean="0"/>
-              <a:t>12/10/25</a:t>
+              <a:t>23/10/25</a:t>
             </a:fld>
             <a:endParaRPr lang="en-BD"/>
           </a:p>
@@ -866,7 +872,7 @@
           <a:p>
             <a:fld id="{8BD37016-1888-C547-8CCF-6B0A88C49181}" type="datetimeFigureOut">
               <a:rPr lang="en-BD" smtClean="0"/>
-              <a:t>12/10/25</a:t>
+              <a:t>23/10/25</a:t>
             </a:fld>
             <a:endParaRPr lang="en-BD"/>
           </a:p>
@@ -1142,7 +1148,7 @@
           <a:p>
             <a:fld id="{8BD37016-1888-C547-8CCF-6B0A88C49181}" type="datetimeFigureOut">
               <a:rPr lang="en-BD" smtClean="0"/>
-              <a:t>12/10/25</a:t>
+              <a:t>23/10/25</a:t>
             </a:fld>
             <a:endParaRPr lang="en-BD"/>
           </a:p>
@@ -1410,7 +1416,7 @@
           <a:p>
             <a:fld id="{8BD37016-1888-C547-8CCF-6B0A88C49181}" type="datetimeFigureOut">
               <a:rPr lang="en-BD" smtClean="0"/>
-              <a:t>12/10/25</a:t>
+              <a:t>23/10/25</a:t>
             </a:fld>
             <a:endParaRPr lang="en-BD"/>
           </a:p>
@@ -1825,7 +1831,7 @@
           <a:p>
             <a:fld id="{8BD37016-1888-C547-8CCF-6B0A88C49181}" type="datetimeFigureOut">
               <a:rPr lang="en-BD" smtClean="0"/>
-              <a:t>12/10/25</a:t>
+              <a:t>23/10/25</a:t>
             </a:fld>
             <a:endParaRPr lang="en-BD"/>
           </a:p>
@@ -1967,7 +1973,7 @@
           <a:p>
             <a:fld id="{8BD37016-1888-C547-8CCF-6B0A88C49181}" type="datetimeFigureOut">
               <a:rPr lang="en-BD" smtClean="0"/>
-              <a:t>12/10/25</a:t>
+              <a:t>23/10/25</a:t>
             </a:fld>
             <a:endParaRPr lang="en-BD"/>
           </a:p>
@@ -2080,7 +2086,7 @@
           <a:p>
             <a:fld id="{8BD37016-1888-C547-8CCF-6B0A88C49181}" type="datetimeFigureOut">
               <a:rPr lang="en-BD" smtClean="0"/>
-              <a:t>12/10/25</a:t>
+              <a:t>23/10/25</a:t>
             </a:fld>
             <a:endParaRPr lang="en-BD"/>
           </a:p>
@@ -2393,7 +2399,7 @@
           <a:p>
             <a:fld id="{8BD37016-1888-C547-8CCF-6B0A88C49181}" type="datetimeFigureOut">
               <a:rPr lang="en-BD" smtClean="0"/>
-              <a:t>12/10/25</a:t>
+              <a:t>23/10/25</a:t>
             </a:fld>
             <a:endParaRPr lang="en-BD"/>
           </a:p>
@@ -2682,7 +2688,7 @@
           <a:p>
             <a:fld id="{8BD37016-1888-C547-8CCF-6B0A88C49181}" type="datetimeFigureOut">
               <a:rPr lang="en-BD" smtClean="0"/>
-              <a:t>12/10/25</a:t>
+              <a:t>23/10/25</a:t>
             </a:fld>
             <a:endParaRPr lang="en-BD"/>
           </a:p>
@@ -2925,7 +2931,7 @@
           <a:p>
             <a:fld id="{8BD37016-1888-C547-8CCF-6B0A88C49181}" type="datetimeFigureOut">
               <a:rPr lang="en-BD" smtClean="0"/>
-              <a:t>12/10/25</a:t>
+              <a:t>23/10/25</a:t>
             </a:fld>
             <a:endParaRPr lang="en-BD"/>
           </a:p>
@@ -3402,8 +3408,8 @@
           </a:prstGeom>
         </p:spPr>
       </p:pic>
-      <mc:AlternateContent xmlns:mc="http://schemas.openxmlformats.org/markup-compatibility/2006">
-        <mc:Choice xmlns:a14="http://schemas.microsoft.com/office/drawing/2010/main" Requires="a14">
+      <mc:AlternateContent xmlns:mc="http://schemas.openxmlformats.org/markup-compatibility/2006" xmlns:a14="http://schemas.microsoft.com/office/drawing/2010/main">
+        <mc:Choice Requires="a14">
           <p:sp>
             <p:nvSpPr>
               <p:cNvPr id="11" name="TextBox 10">
@@ -3432,6 +3438,7 @@
               </a:bodyPr>
               <a:lstStyle/>
               <a:p>
+                <a:pPr/>
                 <a14:m>
                   <m:oMathPara xmlns:m="http://schemas.openxmlformats.org/officeDocument/2006/math">
                     <m:oMathParaPr>
@@ -3464,7 +3471,7 @@
             </p:txBody>
           </p:sp>
         </mc:Choice>
-        <mc:Fallback>
+        <mc:Fallback xmlns="">
           <p:sp>
             <p:nvSpPr>
               <p:cNvPr id="11" name="TextBox 10">
@@ -3509,8 +3516,8 @@
           </p:sp>
         </mc:Fallback>
       </mc:AlternateContent>
-      <mc:AlternateContent xmlns:mc="http://schemas.openxmlformats.org/markup-compatibility/2006">
-        <mc:Choice xmlns:a14="http://schemas.microsoft.com/office/drawing/2010/main" Requires="a14">
+      <mc:AlternateContent xmlns:mc="http://schemas.openxmlformats.org/markup-compatibility/2006" xmlns:a14="http://schemas.microsoft.com/office/drawing/2010/main">
+        <mc:Choice Requires="a14">
           <p:sp>
             <p:nvSpPr>
               <p:cNvPr id="12" name="TextBox 11">
@@ -3539,6 +3546,7 @@
               </a:bodyPr>
               <a:lstStyle/>
               <a:p>
+                <a:pPr/>
                 <a14:m>
                   <m:oMathPara xmlns:m="http://schemas.openxmlformats.org/officeDocument/2006/math">
                     <m:oMathParaPr>
@@ -3559,7 +3567,7 @@
             </p:txBody>
           </p:sp>
         </mc:Choice>
-        <mc:Fallback>
+        <mc:Fallback xmlns="">
           <p:sp>
             <p:nvSpPr>
               <p:cNvPr id="12" name="TextBox 11">
@@ -3604,8 +3612,8 @@
           </p:sp>
         </mc:Fallback>
       </mc:AlternateContent>
-      <mc:AlternateContent xmlns:mc="http://schemas.openxmlformats.org/markup-compatibility/2006">
-        <mc:Choice xmlns:a14="http://schemas.microsoft.com/office/drawing/2010/main" Requires="a14">
+      <mc:AlternateContent xmlns:mc="http://schemas.openxmlformats.org/markup-compatibility/2006" xmlns:a14="http://schemas.microsoft.com/office/drawing/2010/main">
+        <mc:Choice Requires="a14">
           <p:sp>
             <p:nvSpPr>
               <p:cNvPr id="13" name="TextBox 12">
@@ -3634,6 +3642,7 @@
               </a:bodyPr>
               <a:lstStyle/>
               <a:p>
+                <a:pPr/>
                 <a14:m>
                   <m:oMathPara xmlns:m="http://schemas.openxmlformats.org/officeDocument/2006/math">
                     <m:oMathParaPr>
@@ -3666,7 +3675,7 @@
             </p:txBody>
           </p:sp>
         </mc:Choice>
-        <mc:Fallback>
+        <mc:Fallback xmlns="">
           <p:sp>
             <p:nvSpPr>
               <p:cNvPr id="13" name="TextBox 12">
@@ -3711,8 +3720,8 @@
           </p:sp>
         </mc:Fallback>
       </mc:AlternateContent>
-      <mc:AlternateContent xmlns:mc="http://schemas.openxmlformats.org/markup-compatibility/2006">
-        <mc:Choice xmlns:a14="http://schemas.microsoft.com/office/drawing/2010/main" Requires="a14">
+      <mc:AlternateContent xmlns:mc="http://schemas.openxmlformats.org/markup-compatibility/2006" xmlns:a14="http://schemas.microsoft.com/office/drawing/2010/main">
+        <mc:Choice Requires="a14">
           <p:sp>
             <p:nvSpPr>
               <p:cNvPr id="14" name="TextBox 13">
@@ -3741,6 +3750,7 @@
               </a:bodyPr>
               <a:lstStyle/>
               <a:p>
+                <a:pPr/>
                 <a14:m>
                   <m:oMathPara xmlns:m="http://schemas.openxmlformats.org/officeDocument/2006/math">
                     <m:oMathParaPr>
@@ -3761,7 +3771,7 @@
             </p:txBody>
           </p:sp>
         </mc:Choice>
-        <mc:Fallback>
+        <mc:Fallback xmlns="">
           <p:sp>
             <p:nvSpPr>
               <p:cNvPr id="14" name="TextBox 13">
@@ -3806,8 +3816,8 @@
           </p:sp>
         </mc:Fallback>
       </mc:AlternateContent>
-      <mc:AlternateContent xmlns:mc="http://schemas.openxmlformats.org/markup-compatibility/2006">
-        <mc:Choice xmlns:a14="http://schemas.microsoft.com/office/drawing/2010/main" Requires="a14">
+      <mc:AlternateContent xmlns:mc="http://schemas.openxmlformats.org/markup-compatibility/2006" xmlns:a14="http://schemas.microsoft.com/office/drawing/2010/main">
+        <mc:Choice Requires="a14">
           <p:sp>
             <p:nvSpPr>
               <p:cNvPr id="15" name="TextBox 14">
@@ -3836,6 +3846,7 @@
               </a:bodyPr>
               <a:lstStyle/>
               <a:p>
+                <a:pPr/>
                 <a14:m>
                   <m:oMathPara xmlns:m="http://schemas.openxmlformats.org/officeDocument/2006/math">
                     <m:oMathParaPr>
@@ -3856,7 +3867,7 @@
             </p:txBody>
           </p:sp>
         </mc:Choice>
-        <mc:Fallback>
+        <mc:Fallback xmlns="">
           <p:sp>
             <p:nvSpPr>
               <p:cNvPr id="15" name="TextBox 14">
@@ -3901,8 +3912,8 @@
           </p:sp>
         </mc:Fallback>
       </mc:AlternateContent>
-      <mc:AlternateContent xmlns:mc="http://schemas.openxmlformats.org/markup-compatibility/2006">
-        <mc:Choice xmlns:a14="http://schemas.microsoft.com/office/drawing/2010/main" Requires="a14">
+      <mc:AlternateContent xmlns:mc="http://schemas.openxmlformats.org/markup-compatibility/2006" xmlns:a14="http://schemas.microsoft.com/office/drawing/2010/main">
+        <mc:Choice Requires="a14">
           <p:sp>
             <p:nvSpPr>
               <p:cNvPr id="17" name="TextBox 16">
@@ -3931,6 +3942,7 @@
               </a:bodyPr>
               <a:lstStyle/>
               <a:p>
+                <a:pPr/>
                 <a14:m>
                   <m:oMathPara xmlns:m="http://schemas.openxmlformats.org/officeDocument/2006/math">
                     <m:oMathParaPr>
@@ -3951,7 +3963,7 @@
             </p:txBody>
           </p:sp>
         </mc:Choice>
-        <mc:Fallback>
+        <mc:Fallback xmlns="">
           <p:sp>
             <p:nvSpPr>
               <p:cNvPr id="17" name="TextBox 16">
@@ -3996,8 +4008,8 @@
           </p:sp>
         </mc:Fallback>
       </mc:AlternateContent>
-      <mc:AlternateContent xmlns:mc="http://schemas.openxmlformats.org/markup-compatibility/2006">
-        <mc:Choice xmlns:a14="http://schemas.microsoft.com/office/drawing/2010/main" Requires="a14">
+      <mc:AlternateContent xmlns:mc="http://schemas.openxmlformats.org/markup-compatibility/2006" xmlns:a14="http://schemas.microsoft.com/office/drawing/2010/main">
+        <mc:Choice Requires="a14">
           <p:sp>
             <p:nvSpPr>
               <p:cNvPr id="18" name="TextBox 17">
@@ -4026,6 +4038,7 @@
               </a:bodyPr>
               <a:lstStyle/>
               <a:p>
+                <a:pPr/>
                 <a14:m>
                   <m:oMathPara xmlns:m="http://schemas.openxmlformats.org/officeDocument/2006/math">
                     <m:oMathParaPr>
@@ -4046,7 +4059,7 @@
             </p:txBody>
           </p:sp>
         </mc:Choice>
-        <mc:Fallback>
+        <mc:Fallback xmlns="">
           <p:sp>
             <p:nvSpPr>
               <p:cNvPr id="18" name="TextBox 17">
@@ -4091,8 +4104,8 @@
           </p:sp>
         </mc:Fallback>
       </mc:AlternateContent>
-      <mc:AlternateContent xmlns:mc="http://schemas.openxmlformats.org/markup-compatibility/2006">
-        <mc:Choice xmlns:a14="http://schemas.microsoft.com/office/drawing/2010/main" Requires="a14">
+      <mc:AlternateContent xmlns:mc="http://schemas.openxmlformats.org/markup-compatibility/2006" xmlns:a14="http://schemas.microsoft.com/office/drawing/2010/main">
+        <mc:Choice Requires="a14">
           <p:sp>
             <p:nvSpPr>
               <p:cNvPr id="19" name="TextBox 18">
@@ -4121,6 +4134,7 @@
               </a:bodyPr>
               <a:lstStyle/>
               <a:p>
+                <a:pPr/>
                 <a14:m>
                   <m:oMathPara xmlns:m="http://schemas.openxmlformats.org/officeDocument/2006/math">
                     <m:oMathParaPr>
@@ -4141,7 +4155,7 @@
             </p:txBody>
           </p:sp>
         </mc:Choice>
-        <mc:Fallback>
+        <mc:Fallback xmlns="">
           <p:sp>
             <p:nvSpPr>
               <p:cNvPr id="19" name="TextBox 18">
@@ -4186,8 +4200,8 @@
           </p:sp>
         </mc:Fallback>
       </mc:AlternateContent>
-      <mc:AlternateContent xmlns:mc="http://schemas.openxmlformats.org/markup-compatibility/2006">
-        <mc:Choice xmlns:a14="http://schemas.microsoft.com/office/drawing/2010/main" Requires="a14">
+      <mc:AlternateContent xmlns:mc="http://schemas.openxmlformats.org/markup-compatibility/2006" xmlns:a14="http://schemas.microsoft.com/office/drawing/2010/main">
+        <mc:Choice Requires="a14">
           <p:sp>
             <p:nvSpPr>
               <p:cNvPr id="20" name="TextBox 19">
@@ -4216,6 +4230,7 @@
               </a:bodyPr>
               <a:lstStyle/>
               <a:p>
+                <a:pPr/>
                 <a14:m>
                   <m:oMathPara xmlns:m="http://schemas.openxmlformats.org/officeDocument/2006/math">
                     <m:oMathParaPr>
@@ -4236,7 +4251,7 @@
             </p:txBody>
           </p:sp>
         </mc:Choice>
-        <mc:Fallback>
+        <mc:Fallback xmlns="">
           <p:sp>
             <p:nvSpPr>
               <p:cNvPr id="20" name="TextBox 19">
@@ -4281,8 +4296,8 @@
           </p:sp>
         </mc:Fallback>
       </mc:AlternateContent>
-      <mc:AlternateContent xmlns:mc="http://schemas.openxmlformats.org/markup-compatibility/2006">
-        <mc:Choice xmlns:a14="http://schemas.microsoft.com/office/drawing/2010/main" Requires="a14">
+      <mc:AlternateContent xmlns:mc="http://schemas.openxmlformats.org/markup-compatibility/2006" xmlns:a14="http://schemas.microsoft.com/office/drawing/2010/main">
+        <mc:Choice Requires="a14">
           <p:sp>
             <p:nvSpPr>
               <p:cNvPr id="21" name="TextBox 20">
@@ -4311,6 +4326,7 @@
               </a:bodyPr>
               <a:lstStyle/>
               <a:p>
+                <a:pPr/>
                 <a14:m>
                   <m:oMathPara xmlns:m="http://schemas.openxmlformats.org/officeDocument/2006/math">
                     <m:oMathParaPr>
@@ -4350,7 +4366,7 @@
             </p:txBody>
           </p:sp>
         </mc:Choice>
-        <mc:Fallback>
+        <mc:Fallback xmlns="">
           <p:sp>
             <p:nvSpPr>
               <p:cNvPr id="21" name="TextBox 20">
@@ -4395,8 +4411,8 @@
           </p:sp>
         </mc:Fallback>
       </mc:AlternateContent>
-      <mc:AlternateContent xmlns:mc="http://schemas.openxmlformats.org/markup-compatibility/2006">
-        <mc:Choice xmlns:a14="http://schemas.microsoft.com/office/drawing/2010/main" Requires="a14">
+      <mc:AlternateContent xmlns:mc="http://schemas.openxmlformats.org/markup-compatibility/2006" xmlns:a14="http://schemas.microsoft.com/office/drawing/2010/main">
+        <mc:Choice Requires="a14">
           <p:sp>
             <p:nvSpPr>
               <p:cNvPr id="22" name="TextBox 21">
@@ -4425,6 +4441,7 @@
               </a:bodyPr>
               <a:lstStyle/>
               <a:p>
+                <a:pPr/>
                 <a14:m>
                   <m:oMathPara xmlns:m="http://schemas.openxmlformats.org/officeDocument/2006/math">
                     <m:oMathParaPr>
@@ -4445,7 +4462,7 @@
             </p:txBody>
           </p:sp>
         </mc:Choice>
-        <mc:Fallback>
+        <mc:Fallback xmlns="">
           <p:sp>
             <p:nvSpPr>
               <p:cNvPr id="22" name="TextBox 21">
@@ -4490,8 +4507,8 @@
           </p:sp>
         </mc:Fallback>
       </mc:AlternateContent>
-      <mc:AlternateContent xmlns:mc="http://schemas.openxmlformats.org/markup-compatibility/2006">
-        <mc:Choice xmlns:a14="http://schemas.microsoft.com/office/drawing/2010/main" Requires="a14">
+      <mc:AlternateContent xmlns:mc="http://schemas.openxmlformats.org/markup-compatibility/2006" xmlns:a14="http://schemas.microsoft.com/office/drawing/2010/main">
+        <mc:Choice Requires="a14">
           <p:sp>
             <p:nvSpPr>
               <p:cNvPr id="23" name="TextBox 22">
@@ -4520,6 +4537,7 @@
               </a:bodyPr>
               <a:lstStyle/>
               <a:p>
+                <a:pPr/>
                 <a14:m>
                   <m:oMathPara xmlns:m="http://schemas.openxmlformats.org/officeDocument/2006/math">
                     <m:oMathParaPr>
@@ -4559,7 +4577,7 @@
             </p:txBody>
           </p:sp>
         </mc:Choice>
-        <mc:Fallback>
+        <mc:Fallback xmlns="">
           <p:sp>
             <p:nvSpPr>
               <p:cNvPr id="23" name="TextBox 22">
@@ -4604,8 +4622,8 @@
           </p:sp>
         </mc:Fallback>
       </mc:AlternateContent>
-      <mc:AlternateContent xmlns:mc="http://schemas.openxmlformats.org/markup-compatibility/2006">
-        <mc:Choice xmlns:a14="http://schemas.microsoft.com/office/drawing/2010/main" Requires="a14">
+      <mc:AlternateContent xmlns:mc="http://schemas.openxmlformats.org/markup-compatibility/2006" xmlns:a14="http://schemas.microsoft.com/office/drawing/2010/main">
+        <mc:Choice Requires="a14">
           <p:sp>
             <p:nvSpPr>
               <p:cNvPr id="24" name="TextBox 23">
@@ -4634,6 +4652,7 @@
               </a:bodyPr>
               <a:lstStyle/>
               <a:p>
+                <a:pPr/>
                 <a14:m>
                   <m:oMathPara xmlns:m="http://schemas.openxmlformats.org/officeDocument/2006/math">
                     <m:oMathParaPr>
@@ -4666,7 +4685,7 @@
             </p:txBody>
           </p:sp>
         </mc:Choice>
-        <mc:Fallback>
+        <mc:Fallback xmlns="">
           <p:sp>
             <p:nvSpPr>
               <p:cNvPr id="24" name="TextBox 23">
@@ -4711,8 +4730,8 @@
           </p:sp>
         </mc:Fallback>
       </mc:AlternateContent>
-      <mc:AlternateContent xmlns:mc="http://schemas.openxmlformats.org/markup-compatibility/2006">
-        <mc:Choice xmlns:a14="http://schemas.microsoft.com/office/drawing/2010/main" Requires="a14">
+      <mc:AlternateContent xmlns:mc="http://schemas.openxmlformats.org/markup-compatibility/2006" xmlns:a14="http://schemas.microsoft.com/office/drawing/2010/main">
+        <mc:Choice Requires="a14">
           <p:sp>
             <p:nvSpPr>
               <p:cNvPr id="25" name="TextBox 24">
@@ -4741,6 +4760,7 @@
               </a:bodyPr>
               <a:lstStyle/>
               <a:p>
+                <a:pPr/>
                 <a14:m>
                   <m:oMathPara xmlns:m="http://schemas.openxmlformats.org/officeDocument/2006/math">
                     <m:oMathParaPr>
@@ -4773,7 +4793,7 @@
             </p:txBody>
           </p:sp>
         </mc:Choice>
-        <mc:Fallback>
+        <mc:Fallback xmlns="">
           <p:sp>
             <p:nvSpPr>
               <p:cNvPr id="25" name="TextBox 24">
@@ -4818,8 +4838,8 @@
           </p:sp>
         </mc:Fallback>
       </mc:AlternateContent>
-      <mc:AlternateContent xmlns:mc="http://schemas.openxmlformats.org/markup-compatibility/2006">
-        <mc:Choice xmlns:a14="http://schemas.microsoft.com/office/drawing/2010/main" Requires="a14">
+      <mc:AlternateContent xmlns:mc="http://schemas.openxmlformats.org/markup-compatibility/2006" xmlns:a14="http://schemas.microsoft.com/office/drawing/2010/main">
+        <mc:Choice Requires="a14">
           <p:sp>
             <p:nvSpPr>
               <p:cNvPr id="26" name="TextBox 25">
@@ -4848,6 +4868,7 @@
               </a:bodyPr>
               <a:lstStyle/>
               <a:p>
+                <a:pPr/>
                 <a14:m>
                   <m:oMathPara xmlns:m="http://schemas.openxmlformats.org/officeDocument/2006/math">
                     <m:oMathParaPr>
@@ -4868,7 +4889,7 @@
             </p:txBody>
           </p:sp>
         </mc:Choice>
-        <mc:Fallback>
+        <mc:Fallback xmlns="">
           <p:sp>
             <p:nvSpPr>
               <p:cNvPr id="26" name="TextBox 25">
@@ -4913,8 +4934,8 @@
           </p:sp>
         </mc:Fallback>
       </mc:AlternateContent>
-      <mc:AlternateContent xmlns:mc="http://schemas.openxmlformats.org/markup-compatibility/2006">
-        <mc:Choice xmlns:a14="http://schemas.microsoft.com/office/drawing/2010/main" Requires="a14">
+      <mc:AlternateContent xmlns:mc="http://schemas.openxmlformats.org/markup-compatibility/2006" xmlns:a14="http://schemas.microsoft.com/office/drawing/2010/main">
+        <mc:Choice Requires="a14">
           <p:sp>
             <p:nvSpPr>
               <p:cNvPr id="27" name="TextBox 26">
@@ -4943,6 +4964,7 @@
               </a:bodyPr>
               <a:lstStyle/>
               <a:p>
+                <a:pPr/>
                 <a14:m>
                   <m:oMathPara xmlns:m="http://schemas.openxmlformats.org/officeDocument/2006/math">
                     <m:oMathParaPr>
@@ -4982,7 +5004,7 @@
             </p:txBody>
           </p:sp>
         </mc:Choice>
-        <mc:Fallback>
+        <mc:Fallback xmlns="">
           <p:sp>
             <p:nvSpPr>
               <p:cNvPr id="27" name="TextBox 26">
@@ -5027,8 +5049,8 @@
           </p:sp>
         </mc:Fallback>
       </mc:AlternateContent>
-      <mc:AlternateContent xmlns:mc="http://schemas.openxmlformats.org/markup-compatibility/2006">
-        <mc:Choice xmlns:a14="http://schemas.microsoft.com/office/drawing/2010/main" Requires="a14">
+      <mc:AlternateContent xmlns:mc="http://schemas.openxmlformats.org/markup-compatibility/2006" xmlns:a14="http://schemas.microsoft.com/office/drawing/2010/main">
+        <mc:Choice Requires="a14">
           <p:sp>
             <p:nvSpPr>
               <p:cNvPr id="28" name="TextBox 27">
@@ -5057,6 +5079,7 @@
               </a:bodyPr>
               <a:lstStyle/>
               <a:p>
+                <a:pPr/>
                 <a14:m>
                   <m:oMathPara xmlns:m="http://schemas.openxmlformats.org/officeDocument/2006/math">
                     <m:oMathParaPr>
@@ -5096,7 +5119,7 @@
             </p:txBody>
           </p:sp>
         </mc:Choice>
-        <mc:Fallback>
+        <mc:Fallback xmlns="">
           <p:sp>
             <p:nvSpPr>
               <p:cNvPr id="28" name="TextBox 27">
@@ -5141,8 +5164,8 @@
           </p:sp>
         </mc:Fallback>
       </mc:AlternateContent>
-      <mc:AlternateContent xmlns:mc="http://schemas.openxmlformats.org/markup-compatibility/2006">
-        <mc:Choice xmlns:a14="http://schemas.microsoft.com/office/drawing/2010/main" Requires="a14">
+      <mc:AlternateContent xmlns:mc="http://schemas.openxmlformats.org/markup-compatibility/2006" xmlns:a14="http://schemas.microsoft.com/office/drawing/2010/main">
+        <mc:Choice Requires="a14">
           <p:sp>
             <p:nvSpPr>
               <p:cNvPr id="29" name="TextBox 28">
@@ -5171,6 +5194,7 @@
               </a:bodyPr>
               <a:lstStyle/>
               <a:p>
+                <a:pPr/>
                 <a14:m>
                   <m:oMathPara xmlns:m="http://schemas.openxmlformats.org/officeDocument/2006/math">
                     <m:oMathParaPr>
@@ -5191,7 +5215,7 @@
             </p:txBody>
           </p:sp>
         </mc:Choice>
-        <mc:Fallback>
+        <mc:Fallback xmlns="">
           <p:sp>
             <p:nvSpPr>
               <p:cNvPr id="29" name="TextBox 28">
@@ -5240,6 +5264,1904 @@
     <p:extLst>
       <p:ext uri="{BB962C8B-B14F-4D97-AF65-F5344CB8AC3E}">
         <p14:creationId xmlns:p14="http://schemas.microsoft.com/office/powerpoint/2010/main" val="23366913"/>
+      </p:ext>
+    </p:extLst>
+  </p:cSld>
+  <p:clrMapOvr>
+    <a:masterClrMapping/>
+  </p:clrMapOvr>
+</p:sld>
+</file>
+
+<file path=ppt/slides/slide2.xml><?xml version="1.0" encoding="utf-8"?>
+<p:sld xmlns:a="http://schemas.openxmlformats.org/drawingml/2006/main" xmlns:r="http://schemas.openxmlformats.org/officeDocument/2006/relationships" xmlns:p="http://schemas.openxmlformats.org/presentationml/2006/main">
+  <p:cSld>
+    <p:spTree>
+      <p:nvGrpSpPr>
+        <p:cNvPr id="1" name=""/>
+        <p:cNvGrpSpPr/>
+        <p:nvPr/>
+      </p:nvGrpSpPr>
+      <p:grpSpPr>
+        <a:xfrm>
+          <a:off x="0" y="0"/>
+          <a:ext cx="0" cy="0"/>
+          <a:chOff x="0" y="0"/>
+          <a:chExt cx="0" cy="0"/>
+        </a:xfrm>
+      </p:grpSpPr>
+      <p:pic>
+        <p:nvPicPr>
+          <p:cNvPr id="4" name="Picture 3">
+            <a:extLst>
+              <a:ext uri="{FF2B5EF4-FFF2-40B4-BE49-F238E27FC236}">
+                <a16:creationId xmlns:a16="http://schemas.microsoft.com/office/drawing/2014/main" id="{EB532F7F-29C8-705D-6937-D1DBBD2F9B15}"/>
+              </a:ext>
+            </a:extLst>
+          </p:cNvPr>
+          <p:cNvPicPr>
+            <a:picLocks noChangeAspect="1"/>
+          </p:cNvPicPr>
+          <p:nvPr/>
+        </p:nvPicPr>
+        <p:blipFill>
+          <a:blip r:embed="rId2"/>
+          <a:stretch>
+            <a:fillRect/>
+          </a:stretch>
+        </p:blipFill>
+        <p:spPr>
+          <a:xfrm>
+            <a:off x="2209800" y="277894"/>
+            <a:ext cx="7841914" cy="6358576"/>
+          </a:xfrm>
+          <a:prstGeom prst="rect">
+            <a:avLst/>
+          </a:prstGeom>
+        </p:spPr>
+      </p:pic>
+      <mc:AlternateContent xmlns:mc="http://schemas.openxmlformats.org/markup-compatibility/2006">
+        <mc:Choice xmlns:a14="http://schemas.microsoft.com/office/drawing/2010/main" Requires="a14">
+          <p:sp>
+            <p:nvSpPr>
+              <p:cNvPr id="5" name="TextBox 4">
+                <a:extLst>
+                  <a:ext uri="{FF2B5EF4-FFF2-40B4-BE49-F238E27FC236}">
+                    <a16:creationId xmlns:a16="http://schemas.microsoft.com/office/drawing/2014/main" id="{5A4CDE6F-4030-2DD1-84FE-14778BF013A9}"/>
+                  </a:ext>
+                </a:extLst>
+              </p:cNvPr>
+              <p:cNvSpPr txBox="1"/>
+              <p:nvPr/>
+            </p:nvSpPr>
+            <p:spPr>
+              <a:xfrm>
+                <a:off x="1916057" y="2808712"/>
+                <a:ext cx="385683" cy="401970"/>
+              </a:xfrm>
+              <a:prstGeom prst="rect">
+                <a:avLst/>
+              </a:prstGeom>
+              <a:noFill/>
+            </p:spPr>
+            <p:txBody>
+              <a:bodyPr wrap="none" rtlCol="0">
+                <a:spAutoFit/>
+              </a:bodyPr>
+              <a:lstStyle/>
+              <a:p>
+                <a:pPr/>
+                <a14:m>
+                  <m:oMathPara xmlns:m="http://schemas.openxmlformats.org/officeDocument/2006/math">
+                    <m:oMathParaPr>
+                      <m:jc m:val="centerGroup"/>
+                    </m:oMathParaPr>
+                    <m:oMath xmlns:m="http://schemas.openxmlformats.org/officeDocument/2006/math">
+                      <m:bar>
+                        <m:barPr>
+                          <m:pos m:val="top"/>
+                          <m:ctrlPr>
+                            <a:rPr lang="en-BD" i="1" dirty="0" smtClean="0">
+                              <a:latin typeface="Cambria Math" panose="02040503050406030204" pitchFamily="18" charset="0"/>
+                            </a:rPr>
+                          </m:ctrlPr>
+                        </m:barPr>
+                        <m:e>
+                          <m:r>
+                            <a:rPr lang="en-US" b="0" i="1" dirty="0" smtClean="0">
+                              <a:latin typeface="Cambria Math" panose="02040503050406030204" pitchFamily="18" charset="0"/>
+                            </a:rPr>
+                            <m:t>𝐴</m:t>
+                          </m:r>
+                        </m:e>
+                      </m:bar>
+                    </m:oMath>
+                  </m:oMathPara>
+                </a14:m>
+                <a:endParaRPr lang="en-BD" dirty="0"/>
+              </a:p>
+            </p:txBody>
+          </p:sp>
+        </mc:Choice>
+        <mc:Fallback>
+          <p:sp>
+            <p:nvSpPr>
+              <p:cNvPr id="5" name="TextBox 4">
+                <a:extLst>
+                  <a:ext uri="{FF2B5EF4-FFF2-40B4-BE49-F238E27FC236}">
+                    <a16:creationId xmlns:a16="http://schemas.microsoft.com/office/drawing/2014/main" id="{5A4CDE6F-4030-2DD1-84FE-14778BF013A9}"/>
+                  </a:ext>
+                </a:extLst>
+              </p:cNvPr>
+              <p:cNvSpPr txBox="1">
+                <a:spLocks noRot="1" noChangeAspect="1" noMove="1" noResize="1" noEditPoints="1" noAdjustHandles="1" noChangeArrowheads="1" noChangeShapeType="1" noTextEdit="1"/>
+              </p:cNvSpPr>
+              <p:nvPr/>
+            </p:nvSpPr>
+            <p:spPr>
+              <a:xfrm>
+                <a:off x="1916057" y="2808712"/>
+                <a:ext cx="385683" cy="401970"/>
+              </a:xfrm>
+              <a:prstGeom prst="rect">
+                <a:avLst/>
+              </a:prstGeom>
+              <a:blipFill>
+                <a:blip r:embed="rId3"/>
+                <a:stretch>
+                  <a:fillRect/>
+                </a:stretch>
+              </a:blipFill>
+            </p:spPr>
+            <p:txBody>
+              <a:bodyPr/>
+              <a:lstStyle/>
+              <a:p>
+                <a:r>
+                  <a:rPr lang="en-BD">
+                    <a:noFill/>
+                  </a:rPr>
+                  <a:t> </a:t>
+                </a:r>
+              </a:p>
+            </p:txBody>
+          </p:sp>
+        </mc:Fallback>
+      </mc:AlternateContent>
+      <mc:AlternateContent xmlns:mc="http://schemas.openxmlformats.org/markup-compatibility/2006">
+        <mc:Choice xmlns:a14="http://schemas.microsoft.com/office/drawing/2010/main" Requires="a14">
+          <p:sp>
+            <p:nvSpPr>
+              <p:cNvPr id="6" name="TextBox 5">
+                <a:extLst>
+                  <a:ext uri="{FF2B5EF4-FFF2-40B4-BE49-F238E27FC236}">
+                    <a16:creationId xmlns:a16="http://schemas.microsoft.com/office/drawing/2014/main" id="{95D9443B-5214-EBB8-ED3B-97C0D3A8CF8A}"/>
+                  </a:ext>
+                </a:extLst>
+              </p:cNvPr>
+              <p:cNvSpPr txBox="1"/>
+              <p:nvPr/>
+            </p:nvSpPr>
+            <p:spPr>
+              <a:xfrm>
+                <a:off x="2008391" y="1434668"/>
+                <a:ext cx="201016" cy="276999"/>
+              </a:xfrm>
+              <a:prstGeom prst="rect">
+                <a:avLst/>
+              </a:prstGeom>
+              <a:noFill/>
+            </p:spPr>
+            <p:txBody>
+              <a:bodyPr wrap="none" lIns="0" tIns="0" rIns="0" bIns="0" rtlCol="0">
+                <a:spAutoFit/>
+              </a:bodyPr>
+              <a:lstStyle/>
+              <a:p>
+                <a:pPr/>
+                <a14:m>
+                  <m:oMathPara xmlns:m="http://schemas.openxmlformats.org/officeDocument/2006/math">
+                    <m:oMathParaPr>
+                      <m:jc m:val="centerGroup"/>
+                    </m:oMathParaPr>
+                    <m:oMath xmlns:m="http://schemas.openxmlformats.org/officeDocument/2006/math">
+                      <m:r>
+                        <a:rPr lang="en-US" b="0" i="1" smtClean="0">
+                          <a:latin typeface="Cambria Math" panose="02040503050406030204" pitchFamily="18" charset="0"/>
+                        </a:rPr>
+                        <m:t>𝐴</m:t>
+                      </m:r>
+                    </m:oMath>
+                  </m:oMathPara>
+                </a14:m>
+                <a:endParaRPr lang="en-BD" dirty="0"/>
+              </a:p>
+            </p:txBody>
+          </p:sp>
+        </mc:Choice>
+        <mc:Fallback>
+          <p:sp>
+            <p:nvSpPr>
+              <p:cNvPr id="6" name="TextBox 5">
+                <a:extLst>
+                  <a:ext uri="{FF2B5EF4-FFF2-40B4-BE49-F238E27FC236}">
+                    <a16:creationId xmlns:a16="http://schemas.microsoft.com/office/drawing/2014/main" id="{95D9443B-5214-EBB8-ED3B-97C0D3A8CF8A}"/>
+                  </a:ext>
+                </a:extLst>
+              </p:cNvPr>
+              <p:cNvSpPr txBox="1">
+                <a:spLocks noRot="1" noChangeAspect="1" noMove="1" noResize="1" noEditPoints="1" noAdjustHandles="1" noChangeArrowheads="1" noChangeShapeType="1" noTextEdit="1"/>
+              </p:cNvSpPr>
+              <p:nvPr/>
+            </p:nvSpPr>
+            <p:spPr>
+              <a:xfrm>
+                <a:off x="2008391" y="1434668"/>
+                <a:ext cx="201016" cy="276999"/>
+              </a:xfrm>
+              <a:prstGeom prst="rect">
+                <a:avLst/>
+              </a:prstGeom>
+              <a:blipFill>
+                <a:blip r:embed="rId4"/>
+                <a:stretch>
+                  <a:fillRect l="-17647" r="-29412" b="-8696"/>
+                </a:stretch>
+              </a:blipFill>
+            </p:spPr>
+            <p:txBody>
+              <a:bodyPr/>
+              <a:lstStyle/>
+              <a:p>
+                <a:r>
+                  <a:rPr lang="en-BD">
+                    <a:noFill/>
+                  </a:rPr>
+                  <a:t> </a:t>
+                </a:r>
+              </a:p>
+            </p:txBody>
+          </p:sp>
+        </mc:Fallback>
+      </mc:AlternateContent>
+      <mc:AlternateContent xmlns:mc="http://schemas.openxmlformats.org/markup-compatibility/2006">
+        <mc:Choice xmlns:a14="http://schemas.microsoft.com/office/drawing/2010/main" Requires="a14">
+          <p:sp>
+            <p:nvSpPr>
+              <p:cNvPr id="7" name="TextBox 6">
+                <a:extLst>
+                  <a:ext uri="{FF2B5EF4-FFF2-40B4-BE49-F238E27FC236}">
+                    <a16:creationId xmlns:a16="http://schemas.microsoft.com/office/drawing/2014/main" id="{85F322FB-E6C6-8012-3535-5DC3CEDF5155}"/>
+                  </a:ext>
+                </a:extLst>
+              </p:cNvPr>
+              <p:cNvSpPr txBox="1"/>
+              <p:nvPr/>
+            </p:nvSpPr>
+            <p:spPr>
+              <a:xfrm>
+                <a:off x="8175725" y="5693473"/>
+                <a:ext cx="718787" cy="369332"/>
+              </a:xfrm>
+              <a:prstGeom prst="rect">
+                <a:avLst/>
+              </a:prstGeom>
+              <a:noFill/>
+            </p:spPr>
+            <p:txBody>
+              <a:bodyPr wrap="none" rtlCol="0">
+                <a:spAutoFit/>
+              </a:bodyPr>
+              <a:lstStyle/>
+              <a:p>
+                <a:pPr/>
+                <a14:m>
+                  <m:oMathPara xmlns:m="http://schemas.openxmlformats.org/officeDocument/2006/math">
+                    <m:oMathParaPr>
+                      <m:jc m:val="centerGroup"/>
+                    </m:oMathParaPr>
+                    <m:oMath xmlns:m="http://schemas.openxmlformats.org/officeDocument/2006/math">
+                      <m:r>
+                        <a:rPr lang="en-US" b="0" i="1" smtClean="0">
+                          <a:latin typeface="Cambria Math" panose="02040503050406030204" pitchFamily="18" charset="0"/>
+                        </a:rPr>
+                        <m:t>𝐺𝑁𝐷</m:t>
+                      </m:r>
+                    </m:oMath>
+                  </m:oMathPara>
+                </a14:m>
+                <a:endParaRPr lang="en-BD" dirty="0"/>
+              </a:p>
+            </p:txBody>
+          </p:sp>
+        </mc:Choice>
+        <mc:Fallback>
+          <p:sp>
+            <p:nvSpPr>
+              <p:cNvPr id="7" name="TextBox 6">
+                <a:extLst>
+                  <a:ext uri="{FF2B5EF4-FFF2-40B4-BE49-F238E27FC236}">
+                    <a16:creationId xmlns:a16="http://schemas.microsoft.com/office/drawing/2014/main" id="{85F322FB-E6C6-8012-3535-5DC3CEDF5155}"/>
+                  </a:ext>
+                </a:extLst>
+              </p:cNvPr>
+              <p:cNvSpPr txBox="1">
+                <a:spLocks noRot="1" noChangeAspect="1" noMove="1" noResize="1" noEditPoints="1" noAdjustHandles="1" noChangeArrowheads="1" noChangeShapeType="1" noTextEdit="1"/>
+              </p:cNvSpPr>
+              <p:nvPr/>
+            </p:nvSpPr>
+            <p:spPr>
+              <a:xfrm>
+                <a:off x="8175725" y="5693473"/>
+                <a:ext cx="718787" cy="369332"/>
+              </a:xfrm>
+              <a:prstGeom prst="rect">
+                <a:avLst/>
+              </a:prstGeom>
+              <a:blipFill>
+                <a:blip r:embed="rId5"/>
+                <a:stretch>
+                  <a:fillRect/>
+                </a:stretch>
+              </a:blipFill>
+            </p:spPr>
+            <p:txBody>
+              <a:bodyPr/>
+              <a:lstStyle/>
+              <a:p>
+                <a:r>
+                  <a:rPr lang="en-BD">
+                    <a:noFill/>
+                  </a:rPr>
+                  <a:t> </a:t>
+                </a:r>
+              </a:p>
+            </p:txBody>
+          </p:sp>
+        </mc:Fallback>
+      </mc:AlternateContent>
+      <mc:AlternateContent xmlns:mc="http://schemas.openxmlformats.org/markup-compatibility/2006">
+        <mc:Choice xmlns:a14="http://schemas.microsoft.com/office/drawing/2010/main" Requires="a14">
+          <p:sp>
+            <p:nvSpPr>
+              <p:cNvPr id="8" name="TextBox 7">
+                <a:extLst>
+                  <a:ext uri="{FF2B5EF4-FFF2-40B4-BE49-F238E27FC236}">
+                    <a16:creationId xmlns:a16="http://schemas.microsoft.com/office/drawing/2014/main" id="{459FEB19-4AAF-4DD7-665F-3B3A143B65B6}"/>
+                  </a:ext>
+                </a:extLst>
+              </p:cNvPr>
+              <p:cNvSpPr txBox="1"/>
+              <p:nvPr/>
+            </p:nvSpPr>
+            <p:spPr>
+              <a:xfrm>
+                <a:off x="8175725" y="1516292"/>
+                <a:ext cx="445122" cy="390748"/>
+              </a:xfrm>
+              <a:prstGeom prst="rect">
+                <a:avLst/>
+              </a:prstGeom>
+              <a:noFill/>
+            </p:spPr>
+            <p:txBody>
+              <a:bodyPr wrap="none" rtlCol="0">
+                <a:spAutoFit/>
+              </a:bodyPr>
+              <a:lstStyle/>
+              <a:p>
+                <a:pPr/>
+                <a14:m>
+                  <m:oMathPara xmlns:m="http://schemas.openxmlformats.org/officeDocument/2006/math">
+                    <m:oMathParaPr>
+                      <m:jc m:val="centerGroup"/>
+                    </m:oMathParaPr>
+                    <m:oMath xmlns:m="http://schemas.openxmlformats.org/officeDocument/2006/math">
+                      <m:sSub>
+                        <m:sSubPr>
+                          <m:ctrlPr>
+                            <a:rPr lang="en-US" b="0" i="1" smtClean="0">
+                              <a:latin typeface="Cambria Math" panose="02040503050406030204" pitchFamily="18" charset="0"/>
+                            </a:rPr>
+                          </m:ctrlPr>
+                        </m:sSubPr>
+                        <m:e>
+                          <m:r>
+                            <a:rPr lang="en-US" b="0" i="1" smtClean="0">
+                              <a:latin typeface="Cambria Math" panose="02040503050406030204" pitchFamily="18" charset="0"/>
+                            </a:rPr>
+                            <m:t>𝑉</m:t>
+                          </m:r>
+                        </m:e>
+                        <m:sub>
+                          <m:r>
+                            <a:rPr lang="en-US" b="0" i="1" smtClean="0">
+                              <a:latin typeface="Cambria Math" panose="02040503050406030204" pitchFamily="18" charset="0"/>
+                            </a:rPr>
+                            <m:t>𝑝</m:t>
+                          </m:r>
+                        </m:sub>
+                      </m:sSub>
+                    </m:oMath>
+                  </m:oMathPara>
+                </a14:m>
+                <a:endParaRPr lang="en-US" b="0" dirty="0"/>
+              </a:p>
+            </p:txBody>
+          </p:sp>
+        </mc:Choice>
+        <mc:Fallback>
+          <p:sp>
+            <p:nvSpPr>
+              <p:cNvPr id="8" name="TextBox 7">
+                <a:extLst>
+                  <a:ext uri="{FF2B5EF4-FFF2-40B4-BE49-F238E27FC236}">
+                    <a16:creationId xmlns:a16="http://schemas.microsoft.com/office/drawing/2014/main" id="{459FEB19-4AAF-4DD7-665F-3B3A143B65B6}"/>
+                  </a:ext>
+                </a:extLst>
+              </p:cNvPr>
+              <p:cNvSpPr txBox="1">
+                <a:spLocks noRot="1" noChangeAspect="1" noMove="1" noResize="1" noEditPoints="1" noAdjustHandles="1" noChangeArrowheads="1" noChangeShapeType="1" noTextEdit="1"/>
+              </p:cNvSpPr>
+              <p:nvPr/>
+            </p:nvSpPr>
+            <p:spPr>
+              <a:xfrm>
+                <a:off x="8175725" y="1516292"/>
+                <a:ext cx="445122" cy="390748"/>
+              </a:xfrm>
+              <a:prstGeom prst="rect">
+                <a:avLst/>
+              </a:prstGeom>
+              <a:blipFill>
+                <a:blip r:embed="rId6"/>
+                <a:stretch>
+                  <a:fillRect b="-3125"/>
+                </a:stretch>
+              </a:blipFill>
+            </p:spPr>
+            <p:txBody>
+              <a:bodyPr/>
+              <a:lstStyle/>
+              <a:p>
+                <a:r>
+                  <a:rPr lang="en-BD">
+                    <a:noFill/>
+                  </a:rPr>
+                  <a:t> </a:t>
+                </a:r>
+              </a:p>
+            </p:txBody>
+          </p:sp>
+        </mc:Fallback>
+      </mc:AlternateContent>
+      <mc:AlternateContent xmlns:mc="http://schemas.openxmlformats.org/markup-compatibility/2006">
+        <mc:Choice xmlns:a14="http://schemas.microsoft.com/office/drawing/2010/main" Requires="a14">
+          <p:sp>
+            <p:nvSpPr>
+              <p:cNvPr id="10" name="TextBox 9">
+                <a:extLst>
+                  <a:ext uri="{FF2B5EF4-FFF2-40B4-BE49-F238E27FC236}">
+                    <a16:creationId xmlns:a16="http://schemas.microsoft.com/office/drawing/2014/main" id="{8878ED95-F3E2-5456-B598-F94FC41DACBA}"/>
+                  </a:ext>
+                </a:extLst>
+              </p:cNvPr>
+              <p:cNvSpPr txBox="1"/>
+              <p:nvPr/>
+            </p:nvSpPr>
+            <p:spPr>
+              <a:xfrm>
+                <a:off x="5483400" y="4024188"/>
+                <a:ext cx="690382" cy="369332"/>
+              </a:xfrm>
+              <a:prstGeom prst="rect">
+                <a:avLst/>
+              </a:prstGeom>
+              <a:noFill/>
+            </p:spPr>
+            <p:txBody>
+              <a:bodyPr wrap="none" rtlCol="0">
+                <a:spAutoFit/>
+              </a:bodyPr>
+              <a:lstStyle/>
+              <a:p>
+                <a:pPr/>
+                <a14:m>
+                  <m:oMathPara xmlns:m="http://schemas.openxmlformats.org/officeDocument/2006/math">
+                    <m:oMathParaPr>
+                      <m:jc m:val="centerGroup"/>
+                    </m:oMathParaPr>
+                    <m:oMath xmlns:m="http://schemas.openxmlformats.org/officeDocument/2006/math">
+                      <m:r>
+                        <a:rPr lang="en-US" b="0" i="1" smtClean="0">
+                          <a:latin typeface="Cambria Math" panose="02040503050406030204" pitchFamily="18" charset="0"/>
+                        </a:rPr>
+                        <m:t>𝑆𝑢𝑚</m:t>
+                      </m:r>
+                    </m:oMath>
+                  </m:oMathPara>
+                </a14:m>
+                <a:endParaRPr lang="en-US" b="0" dirty="0"/>
+              </a:p>
+            </p:txBody>
+          </p:sp>
+        </mc:Choice>
+        <mc:Fallback>
+          <p:sp>
+            <p:nvSpPr>
+              <p:cNvPr id="10" name="TextBox 9">
+                <a:extLst>
+                  <a:ext uri="{FF2B5EF4-FFF2-40B4-BE49-F238E27FC236}">
+                    <a16:creationId xmlns:a16="http://schemas.microsoft.com/office/drawing/2014/main" id="{8878ED95-F3E2-5456-B598-F94FC41DACBA}"/>
+                  </a:ext>
+                </a:extLst>
+              </p:cNvPr>
+              <p:cNvSpPr txBox="1">
+                <a:spLocks noRot="1" noChangeAspect="1" noMove="1" noResize="1" noEditPoints="1" noAdjustHandles="1" noChangeArrowheads="1" noChangeShapeType="1" noTextEdit="1"/>
+              </p:cNvSpPr>
+              <p:nvPr/>
+            </p:nvSpPr>
+            <p:spPr>
+              <a:xfrm>
+                <a:off x="5483400" y="4024188"/>
+                <a:ext cx="690382" cy="369332"/>
+              </a:xfrm>
+              <a:prstGeom prst="rect">
+                <a:avLst/>
+              </a:prstGeom>
+              <a:blipFill>
+                <a:blip r:embed="rId7"/>
+                <a:stretch>
+                  <a:fillRect/>
+                </a:stretch>
+              </a:blipFill>
+            </p:spPr>
+            <p:txBody>
+              <a:bodyPr/>
+              <a:lstStyle/>
+              <a:p>
+                <a:r>
+                  <a:rPr lang="en-BD">
+                    <a:noFill/>
+                  </a:rPr>
+                  <a:t> </a:t>
+                </a:r>
+              </a:p>
+            </p:txBody>
+          </p:sp>
+        </mc:Fallback>
+      </mc:AlternateContent>
+      <mc:AlternateContent xmlns:mc="http://schemas.openxmlformats.org/markup-compatibility/2006">
+        <mc:Choice xmlns:a14="http://schemas.microsoft.com/office/drawing/2010/main" Requires="a14">
+          <p:sp>
+            <p:nvSpPr>
+              <p:cNvPr id="11" name="TextBox 10">
+                <a:extLst>
+                  <a:ext uri="{FF2B5EF4-FFF2-40B4-BE49-F238E27FC236}">
+                    <a16:creationId xmlns:a16="http://schemas.microsoft.com/office/drawing/2014/main" id="{551B9E54-0160-9BB6-FF65-5F2BE63D1136}"/>
+                  </a:ext>
+                </a:extLst>
+              </p:cNvPr>
+              <p:cNvSpPr txBox="1"/>
+              <p:nvPr/>
+            </p:nvSpPr>
+            <p:spPr>
+              <a:xfrm>
+                <a:off x="3904825" y="1434667"/>
+                <a:ext cx="211404" cy="276999"/>
+              </a:xfrm>
+              <a:prstGeom prst="rect">
+                <a:avLst/>
+              </a:prstGeom>
+              <a:noFill/>
+            </p:spPr>
+            <p:txBody>
+              <a:bodyPr wrap="none" lIns="0" tIns="0" rIns="0" bIns="0" rtlCol="0">
+                <a:spAutoFit/>
+              </a:bodyPr>
+              <a:lstStyle/>
+              <a:p>
+                <a:pPr/>
+                <a14:m>
+                  <m:oMathPara xmlns:m="http://schemas.openxmlformats.org/officeDocument/2006/math">
+                    <m:oMathParaPr>
+                      <m:jc m:val="centerGroup"/>
+                    </m:oMathParaPr>
+                    <m:oMath xmlns:m="http://schemas.openxmlformats.org/officeDocument/2006/math">
+                      <m:r>
+                        <a:rPr lang="en-US" b="0" i="1" smtClean="0">
+                          <a:latin typeface="Cambria Math" panose="02040503050406030204" pitchFamily="18" charset="0"/>
+                        </a:rPr>
+                        <m:t>𝐵</m:t>
+                      </m:r>
+                    </m:oMath>
+                  </m:oMathPara>
+                </a14:m>
+                <a:endParaRPr lang="en-BD" dirty="0"/>
+              </a:p>
+            </p:txBody>
+          </p:sp>
+        </mc:Choice>
+        <mc:Fallback>
+          <p:sp>
+            <p:nvSpPr>
+              <p:cNvPr id="11" name="TextBox 10">
+                <a:extLst>
+                  <a:ext uri="{FF2B5EF4-FFF2-40B4-BE49-F238E27FC236}">
+                    <a16:creationId xmlns:a16="http://schemas.microsoft.com/office/drawing/2014/main" id="{551B9E54-0160-9BB6-FF65-5F2BE63D1136}"/>
+                  </a:ext>
+                </a:extLst>
+              </p:cNvPr>
+              <p:cNvSpPr txBox="1">
+                <a:spLocks noRot="1" noChangeAspect="1" noMove="1" noResize="1" noEditPoints="1" noAdjustHandles="1" noChangeArrowheads="1" noChangeShapeType="1" noTextEdit="1"/>
+              </p:cNvSpPr>
+              <p:nvPr/>
+            </p:nvSpPr>
+            <p:spPr>
+              <a:xfrm>
+                <a:off x="3904825" y="1434667"/>
+                <a:ext cx="211404" cy="276999"/>
+              </a:xfrm>
+              <a:prstGeom prst="rect">
+                <a:avLst/>
+              </a:prstGeom>
+              <a:blipFill>
+                <a:blip r:embed="rId8"/>
+                <a:stretch>
+                  <a:fillRect l="-23529" r="-23529" b="-8696"/>
+                </a:stretch>
+              </a:blipFill>
+            </p:spPr>
+            <p:txBody>
+              <a:bodyPr/>
+              <a:lstStyle/>
+              <a:p>
+                <a:r>
+                  <a:rPr lang="en-BD">
+                    <a:noFill/>
+                  </a:rPr>
+                  <a:t> </a:t>
+                </a:r>
+              </a:p>
+            </p:txBody>
+          </p:sp>
+        </mc:Fallback>
+      </mc:AlternateContent>
+      <mc:AlternateContent xmlns:mc="http://schemas.openxmlformats.org/markup-compatibility/2006">
+        <mc:Choice xmlns:a14="http://schemas.microsoft.com/office/drawing/2010/main" Requires="a14">
+          <p:sp>
+            <p:nvSpPr>
+              <p:cNvPr id="12" name="TextBox 11">
+                <a:extLst>
+                  <a:ext uri="{FF2B5EF4-FFF2-40B4-BE49-F238E27FC236}">
+                    <a16:creationId xmlns:a16="http://schemas.microsoft.com/office/drawing/2014/main" id="{37E172A3-F357-7446-6E90-D0395DA2F060}"/>
+                  </a:ext>
+                </a:extLst>
+              </p:cNvPr>
+              <p:cNvSpPr txBox="1"/>
+              <p:nvPr/>
+            </p:nvSpPr>
+            <p:spPr>
+              <a:xfrm>
+                <a:off x="3817685" y="2808712"/>
+                <a:ext cx="396069" cy="400110"/>
+              </a:xfrm>
+              <a:prstGeom prst="rect">
+                <a:avLst/>
+              </a:prstGeom>
+              <a:noFill/>
+            </p:spPr>
+            <p:txBody>
+              <a:bodyPr wrap="none" rtlCol="0">
+                <a:spAutoFit/>
+              </a:bodyPr>
+              <a:lstStyle/>
+              <a:p>
+                <a:pPr/>
+                <a14:m>
+                  <m:oMathPara xmlns:m="http://schemas.openxmlformats.org/officeDocument/2006/math">
+                    <m:oMathParaPr>
+                      <m:jc m:val="centerGroup"/>
+                    </m:oMathParaPr>
+                    <m:oMath xmlns:m="http://schemas.openxmlformats.org/officeDocument/2006/math">
+                      <m:bar>
+                        <m:barPr>
+                          <m:pos m:val="top"/>
+                          <m:ctrlPr>
+                            <a:rPr lang="en-BD" i="1" dirty="0" smtClean="0">
+                              <a:latin typeface="Cambria Math" panose="02040503050406030204" pitchFamily="18" charset="0"/>
+                            </a:rPr>
+                          </m:ctrlPr>
+                        </m:barPr>
+                        <m:e>
+                          <m:r>
+                            <a:rPr lang="en-US" b="0" i="1" dirty="0" smtClean="0">
+                              <a:latin typeface="Cambria Math" panose="02040503050406030204" pitchFamily="18" charset="0"/>
+                            </a:rPr>
+                            <m:t>𝐵</m:t>
+                          </m:r>
+                        </m:e>
+                      </m:bar>
+                    </m:oMath>
+                  </m:oMathPara>
+                </a14:m>
+                <a:endParaRPr lang="en-BD" dirty="0"/>
+              </a:p>
+            </p:txBody>
+          </p:sp>
+        </mc:Choice>
+        <mc:Fallback>
+          <p:sp>
+            <p:nvSpPr>
+              <p:cNvPr id="12" name="TextBox 11">
+                <a:extLst>
+                  <a:ext uri="{FF2B5EF4-FFF2-40B4-BE49-F238E27FC236}">
+                    <a16:creationId xmlns:a16="http://schemas.microsoft.com/office/drawing/2014/main" id="{37E172A3-F357-7446-6E90-D0395DA2F060}"/>
+                  </a:ext>
+                </a:extLst>
+              </p:cNvPr>
+              <p:cNvSpPr txBox="1">
+                <a:spLocks noRot="1" noChangeAspect="1" noMove="1" noResize="1" noEditPoints="1" noAdjustHandles="1" noChangeArrowheads="1" noChangeShapeType="1" noTextEdit="1"/>
+              </p:cNvSpPr>
+              <p:nvPr/>
+            </p:nvSpPr>
+            <p:spPr>
+              <a:xfrm>
+                <a:off x="3817685" y="2808712"/>
+                <a:ext cx="396069" cy="400110"/>
+              </a:xfrm>
+              <a:prstGeom prst="rect">
+                <a:avLst/>
+              </a:prstGeom>
+              <a:blipFill>
+                <a:blip r:embed="rId9"/>
+                <a:stretch>
+                  <a:fillRect/>
+                </a:stretch>
+              </a:blipFill>
+            </p:spPr>
+            <p:txBody>
+              <a:bodyPr/>
+              <a:lstStyle/>
+              <a:p>
+                <a:r>
+                  <a:rPr lang="en-BD">
+                    <a:noFill/>
+                  </a:rPr>
+                  <a:t> </a:t>
+                </a:r>
+              </a:p>
+            </p:txBody>
+          </p:sp>
+        </mc:Fallback>
+      </mc:AlternateContent>
+      <mc:AlternateContent xmlns:mc="http://schemas.openxmlformats.org/markup-compatibility/2006">
+        <mc:Choice xmlns:a14="http://schemas.microsoft.com/office/drawing/2010/main" Requires="a14">
+          <p:sp>
+            <p:nvSpPr>
+              <p:cNvPr id="13" name="TextBox 12">
+                <a:extLst>
+                  <a:ext uri="{FF2B5EF4-FFF2-40B4-BE49-F238E27FC236}">
+                    <a16:creationId xmlns:a16="http://schemas.microsoft.com/office/drawing/2014/main" id="{0F219DC3-AA8D-42E3-295F-6804A10FAEA8}"/>
+                  </a:ext>
+                </a:extLst>
+              </p:cNvPr>
+              <p:cNvSpPr txBox="1"/>
+              <p:nvPr/>
+            </p:nvSpPr>
+            <p:spPr>
+              <a:xfrm>
+                <a:off x="1916056" y="4449443"/>
+                <a:ext cx="385683" cy="401970"/>
+              </a:xfrm>
+              <a:prstGeom prst="rect">
+                <a:avLst/>
+              </a:prstGeom>
+              <a:noFill/>
+            </p:spPr>
+            <p:txBody>
+              <a:bodyPr wrap="none" rtlCol="0">
+                <a:spAutoFit/>
+              </a:bodyPr>
+              <a:lstStyle/>
+              <a:p>
+                <a:pPr/>
+                <a14:m>
+                  <m:oMathPara xmlns:m="http://schemas.openxmlformats.org/officeDocument/2006/math">
+                    <m:oMathParaPr>
+                      <m:jc m:val="centerGroup"/>
+                    </m:oMathParaPr>
+                    <m:oMath xmlns:m="http://schemas.openxmlformats.org/officeDocument/2006/math">
+                      <m:bar>
+                        <m:barPr>
+                          <m:pos m:val="top"/>
+                          <m:ctrlPr>
+                            <a:rPr lang="en-BD" i="1" dirty="0" smtClean="0">
+                              <a:latin typeface="Cambria Math" panose="02040503050406030204" pitchFamily="18" charset="0"/>
+                            </a:rPr>
+                          </m:ctrlPr>
+                        </m:barPr>
+                        <m:e>
+                          <m:r>
+                            <a:rPr lang="en-US" b="0" i="1" dirty="0" smtClean="0">
+                              <a:latin typeface="Cambria Math" panose="02040503050406030204" pitchFamily="18" charset="0"/>
+                            </a:rPr>
+                            <m:t>𝐴</m:t>
+                          </m:r>
+                        </m:e>
+                      </m:bar>
+                    </m:oMath>
+                  </m:oMathPara>
+                </a14:m>
+                <a:endParaRPr lang="en-BD" dirty="0"/>
+              </a:p>
+            </p:txBody>
+          </p:sp>
+        </mc:Choice>
+        <mc:Fallback>
+          <p:sp>
+            <p:nvSpPr>
+              <p:cNvPr id="13" name="TextBox 12">
+                <a:extLst>
+                  <a:ext uri="{FF2B5EF4-FFF2-40B4-BE49-F238E27FC236}">
+                    <a16:creationId xmlns:a16="http://schemas.microsoft.com/office/drawing/2014/main" id="{0F219DC3-AA8D-42E3-295F-6804A10FAEA8}"/>
+                  </a:ext>
+                </a:extLst>
+              </p:cNvPr>
+              <p:cNvSpPr txBox="1">
+                <a:spLocks noRot="1" noChangeAspect="1" noMove="1" noResize="1" noEditPoints="1" noAdjustHandles="1" noChangeArrowheads="1" noChangeShapeType="1" noTextEdit="1"/>
+              </p:cNvSpPr>
+              <p:nvPr/>
+            </p:nvSpPr>
+            <p:spPr>
+              <a:xfrm>
+                <a:off x="1916056" y="4449443"/>
+                <a:ext cx="385683" cy="401970"/>
+              </a:xfrm>
+              <a:prstGeom prst="rect">
+                <a:avLst/>
+              </a:prstGeom>
+              <a:blipFill>
+                <a:blip r:embed="rId10"/>
+                <a:stretch>
+                  <a:fillRect/>
+                </a:stretch>
+              </a:blipFill>
+            </p:spPr>
+            <p:txBody>
+              <a:bodyPr/>
+              <a:lstStyle/>
+              <a:p>
+                <a:r>
+                  <a:rPr lang="en-BD">
+                    <a:noFill/>
+                  </a:rPr>
+                  <a:t> </a:t>
+                </a:r>
+              </a:p>
+            </p:txBody>
+          </p:sp>
+        </mc:Fallback>
+      </mc:AlternateContent>
+      <mc:AlternateContent xmlns:mc="http://schemas.openxmlformats.org/markup-compatibility/2006">
+        <mc:Choice xmlns:a14="http://schemas.microsoft.com/office/drawing/2010/main" Requires="a14">
+          <p:sp>
+            <p:nvSpPr>
+              <p:cNvPr id="14" name="TextBox 13">
+                <a:extLst>
+                  <a:ext uri="{FF2B5EF4-FFF2-40B4-BE49-F238E27FC236}">
+                    <a16:creationId xmlns:a16="http://schemas.microsoft.com/office/drawing/2014/main" id="{4F97E774-D93D-7C15-5903-D4DB228E84EA}"/>
+                  </a:ext>
+                </a:extLst>
+              </p:cNvPr>
+              <p:cNvSpPr txBox="1"/>
+              <p:nvPr/>
+            </p:nvSpPr>
+            <p:spPr>
+              <a:xfrm>
+                <a:off x="1910862" y="5541445"/>
+                <a:ext cx="396069" cy="400110"/>
+              </a:xfrm>
+              <a:prstGeom prst="rect">
+                <a:avLst/>
+              </a:prstGeom>
+              <a:noFill/>
+            </p:spPr>
+            <p:txBody>
+              <a:bodyPr wrap="none" rtlCol="0">
+                <a:spAutoFit/>
+              </a:bodyPr>
+              <a:lstStyle/>
+              <a:p>
+                <a:pPr/>
+                <a14:m>
+                  <m:oMathPara xmlns:m="http://schemas.openxmlformats.org/officeDocument/2006/math">
+                    <m:oMathParaPr>
+                      <m:jc m:val="centerGroup"/>
+                    </m:oMathParaPr>
+                    <m:oMath xmlns:m="http://schemas.openxmlformats.org/officeDocument/2006/math">
+                      <m:bar>
+                        <m:barPr>
+                          <m:pos m:val="top"/>
+                          <m:ctrlPr>
+                            <a:rPr lang="en-BD" i="1" dirty="0" smtClean="0">
+                              <a:latin typeface="Cambria Math" panose="02040503050406030204" pitchFamily="18" charset="0"/>
+                            </a:rPr>
+                          </m:ctrlPr>
+                        </m:barPr>
+                        <m:e>
+                          <m:r>
+                            <a:rPr lang="en-US" b="0" i="1" dirty="0" smtClean="0">
+                              <a:latin typeface="Cambria Math" panose="02040503050406030204" pitchFamily="18" charset="0"/>
+                            </a:rPr>
+                            <m:t>𝐵</m:t>
+                          </m:r>
+                        </m:e>
+                      </m:bar>
+                    </m:oMath>
+                  </m:oMathPara>
+                </a14:m>
+                <a:endParaRPr lang="en-BD" dirty="0"/>
+              </a:p>
+            </p:txBody>
+          </p:sp>
+        </mc:Choice>
+        <mc:Fallback>
+          <p:sp>
+            <p:nvSpPr>
+              <p:cNvPr id="14" name="TextBox 13">
+                <a:extLst>
+                  <a:ext uri="{FF2B5EF4-FFF2-40B4-BE49-F238E27FC236}">
+                    <a16:creationId xmlns:a16="http://schemas.microsoft.com/office/drawing/2014/main" id="{4F97E774-D93D-7C15-5903-D4DB228E84EA}"/>
+                  </a:ext>
+                </a:extLst>
+              </p:cNvPr>
+              <p:cNvSpPr txBox="1">
+                <a:spLocks noRot="1" noChangeAspect="1" noMove="1" noResize="1" noEditPoints="1" noAdjustHandles="1" noChangeArrowheads="1" noChangeShapeType="1" noTextEdit="1"/>
+              </p:cNvSpPr>
+              <p:nvPr/>
+            </p:nvSpPr>
+            <p:spPr>
+              <a:xfrm>
+                <a:off x="1910862" y="5541445"/>
+                <a:ext cx="396069" cy="400110"/>
+              </a:xfrm>
+              <a:prstGeom prst="rect">
+                <a:avLst/>
+              </a:prstGeom>
+              <a:blipFill>
+                <a:blip r:embed="rId11"/>
+                <a:stretch>
+                  <a:fillRect/>
+                </a:stretch>
+              </a:blipFill>
+            </p:spPr>
+            <p:txBody>
+              <a:bodyPr/>
+              <a:lstStyle/>
+              <a:p>
+                <a:r>
+                  <a:rPr lang="en-BD">
+                    <a:noFill/>
+                  </a:rPr>
+                  <a:t> </a:t>
+                </a:r>
+              </a:p>
+            </p:txBody>
+          </p:sp>
+        </mc:Fallback>
+      </mc:AlternateContent>
+      <mc:AlternateContent xmlns:mc="http://schemas.openxmlformats.org/markup-compatibility/2006">
+        <mc:Choice xmlns:a14="http://schemas.microsoft.com/office/drawing/2010/main" Requires="a14">
+          <p:sp>
+            <p:nvSpPr>
+              <p:cNvPr id="15" name="TextBox 14">
+                <a:extLst>
+                  <a:ext uri="{FF2B5EF4-FFF2-40B4-BE49-F238E27FC236}">
+                    <a16:creationId xmlns:a16="http://schemas.microsoft.com/office/drawing/2014/main" id="{854268FF-0C31-DEEF-FE36-AEA246254355}"/>
+                  </a:ext>
+                </a:extLst>
+              </p:cNvPr>
+              <p:cNvSpPr txBox="1"/>
+              <p:nvPr/>
+            </p:nvSpPr>
+            <p:spPr>
+              <a:xfrm>
+                <a:off x="3828071" y="4521579"/>
+                <a:ext cx="305226" cy="283885"/>
+              </a:xfrm>
+              <a:prstGeom prst="rect">
+                <a:avLst/>
+              </a:prstGeom>
+              <a:noFill/>
+            </p:spPr>
+            <p:txBody>
+              <a:bodyPr wrap="square" lIns="0" tIns="0" rIns="0" bIns="0" rtlCol="0">
+                <a:spAutoFit/>
+              </a:bodyPr>
+              <a:lstStyle/>
+              <a:p>
+                <a:pPr/>
+                <a14:m>
+                  <m:oMathPara xmlns:m="http://schemas.openxmlformats.org/officeDocument/2006/math">
+                    <m:oMathParaPr>
+                      <m:jc m:val="centerGroup"/>
+                    </m:oMathParaPr>
+                    <m:oMath xmlns:m="http://schemas.openxmlformats.org/officeDocument/2006/math">
+                      <m:r>
+                        <a:rPr lang="en-US" b="0" i="1" smtClean="0">
+                          <a:latin typeface="Cambria Math" panose="02040503050406030204" pitchFamily="18" charset="0"/>
+                        </a:rPr>
+                        <m:t>𝐴</m:t>
+                      </m:r>
+                    </m:oMath>
+                  </m:oMathPara>
+                </a14:m>
+                <a:endParaRPr lang="en-BD" dirty="0"/>
+              </a:p>
+            </p:txBody>
+          </p:sp>
+        </mc:Choice>
+        <mc:Fallback>
+          <p:sp>
+            <p:nvSpPr>
+              <p:cNvPr id="15" name="TextBox 14">
+                <a:extLst>
+                  <a:ext uri="{FF2B5EF4-FFF2-40B4-BE49-F238E27FC236}">
+                    <a16:creationId xmlns:a16="http://schemas.microsoft.com/office/drawing/2014/main" id="{854268FF-0C31-DEEF-FE36-AEA246254355}"/>
+                  </a:ext>
+                </a:extLst>
+              </p:cNvPr>
+              <p:cNvSpPr txBox="1">
+                <a:spLocks noRot="1" noChangeAspect="1" noMove="1" noResize="1" noEditPoints="1" noAdjustHandles="1" noChangeArrowheads="1" noChangeShapeType="1" noTextEdit="1"/>
+              </p:cNvSpPr>
+              <p:nvPr/>
+            </p:nvSpPr>
+            <p:spPr>
+              <a:xfrm>
+                <a:off x="3828071" y="4521579"/>
+                <a:ext cx="305226" cy="283885"/>
+              </a:xfrm>
+              <a:prstGeom prst="rect">
+                <a:avLst/>
+              </a:prstGeom>
+              <a:blipFill>
+                <a:blip r:embed="rId12"/>
+                <a:stretch>
+                  <a:fillRect b="-4348"/>
+                </a:stretch>
+              </a:blipFill>
+            </p:spPr>
+            <p:txBody>
+              <a:bodyPr/>
+              <a:lstStyle/>
+              <a:p>
+                <a:r>
+                  <a:rPr lang="en-BD">
+                    <a:noFill/>
+                  </a:rPr>
+                  <a:t> </a:t>
+                </a:r>
+              </a:p>
+            </p:txBody>
+          </p:sp>
+        </mc:Fallback>
+      </mc:AlternateContent>
+      <mc:AlternateContent xmlns:mc="http://schemas.openxmlformats.org/markup-compatibility/2006">
+        <mc:Choice xmlns:a14="http://schemas.microsoft.com/office/drawing/2010/main" Requires="a14">
+          <p:sp>
+            <p:nvSpPr>
+              <p:cNvPr id="16" name="TextBox 15">
+                <a:extLst>
+                  <a:ext uri="{FF2B5EF4-FFF2-40B4-BE49-F238E27FC236}">
+                    <a16:creationId xmlns:a16="http://schemas.microsoft.com/office/drawing/2014/main" id="{35AA5375-37D9-2E0B-22A1-C6F8783D3CC2}"/>
+                  </a:ext>
+                </a:extLst>
+              </p:cNvPr>
+              <p:cNvSpPr txBox="1"/>
+              <p:nvPr/>
+            </p:nvSpPr>
+            <p:spPr>
+              <a:xfrm>
+                <a:off x="3921893" y="5601140"/>
+                <a:ext cx="211404" cy="276999"/>
+              </a:xfrm>
+              <a:prstGeom prst="rect">
+                <a:avLst/>
+              </a:prstGeom>
+              <a:noFill/>
+            </p:spPr>
+            <p:txBody>
+              <a:bodyPr wrap="square" lIns="0" tIns="0" rIns="0" bIns="0" rtlCol="0">
+                <a:spAutoFit/>
+              </a:bodyPr>
+              <a:lstStyle/>
+              <a:p>
+                <a:pPr/>
+                <a14:m>
+                  <m:oMathPara xmlns:m="http://schemas.openxmlformats.org/officeDocument/2006/math">
+                    <m:oMathParaPr>
+                      <m:jc m:val="centerGroup"/>
+                    </m:oMathParaPr>
+                    <m:oMath xmlns:m="http://schemas.openxmlformats.org/officeDocument/2006/math">
+                      <m:r>
+                        <a:rPr lang="en-US" b="0" i="1" smtClean="0">
+                          <a:latin typeface="Cambria Math" panose="02040503050406030204" pitchFamily="18" charset="0"/>
+                        </a:rPr>
+                        <m:t>𝐵</m:t>
+                      </m:r>
+                    </m:oMath>
+                  </m:oMathPara>
+                </a14:m>
+                <a:endParaRPr lang="en-BD" dirty="0"/>
+              </a:p>
+            </p:txBody>
+          </p:sp>
+        </mc:Choice>
+        <mc:Fallback>
+          <p:sp>
+            <p:nvSpPr>
+              <p:cNvPr id="16" name="TextBox 15">
+                <a:extLst>
+                  <a:ext uri="{FF2B5EF4-FFF2-40B4-BE49-F238E27FC236}">
+                    <a16:creationId xmlns:a16="http://schemas.microsoft.com/office/drawing/2014/main" id="{35AA5375-37D9-2E0B-22A1-C6F8783D3CC2}"/>
+                  </a:ext>
+                </a:extLst>
+              </p:cNvPr>
+              <p:cNvSpPr txBox="1">
+                <a:spLocks noRot="1" noChangeAspect="1" noMove="1" noResize="1" noEditPoints="1" noAdjustHandles="1" noChangeArrowheads="1" noChangeShapeType="1" noTextEdit="1"/>
+              </p:cNvSpPr>
+              <p:nvPr/>
+            </p:nvSpPr>
+            <p:spPr>
+              <a:xfrm>
+                <a:off x="3921893" y="5601140"/>
+                <a:ext cx="211404" cy="276999"/>
+              </a:xfrm>
+              <a:prstGeom prst="rect">
+                <a:avLst/>
+              </a:prstGeom>
+              <a:blipFill>
+                <a:blip r:embed="rId13"/>
+                <a:stretch>
+                  <a:fillRect l="-22222" r="-22222" b="-9091"/>
+                </a:stretch>
+              </a:blipFill>
+            </p:spPr>
+            <p:txBody>
+              <a:bodyPr/>
+              <a:lstStyle/>
+              <a:p>
+                <a:r>
+                  <a:rPr lang="en-BD">
+                    <a:noFill/>
+                  </a:rPr>
+                  <a:t> </a:t>
+                </a:r>
+              </a:p>
+            </p:txBody>
+          </p:sp>
+        </mc:Fallback>
+      </mc:AlternateContent>
+      <mc:AlternateContent xmlns:mc="http://schemas.openxmlformats.org/markup-compatibility/2006">
+        <mc:Choice xmlns:a14="http://schemas.microsoft.com/office/drawing/2010/main" Requires="a14">
+          <p:sp>
+            <p:nvSpPr>
+              <p:cNvPr id="17" name="TextBox 16">
+                <a:extLst>
+                  <a:ext uri="{FF2B5EF4-FFF2-40B4-BE49-F238E27FC236}">
+                    <a16:creationId xmlns:a16="http://schemas.microsoft.com/office/drawing/2014/main" id="{8AB2BEBB-A5DD-C714-7941-3F02C15194F0}"/>
+                  </a:ext>
+                </a:extLst>
+              </p:cNvPr>
+              <p:cNvSpPr txBox="1"/>
+              <p:nvPr/>
+            </p:nvSpPr>
+            <p:spPr>
+              <a:xfrm>
+                <a:off x="4148474" y="6413320"/>
+                <a:ext cx="718787" cy="369332"/>
+              </a:xfrm>
+              <a:prstGeom prst="rect">
+                <a:avLst/>
+              </a:prstGeom>
+              <a:noFill/>
+            </p:spPr>
+            <p:txBody>
+              <a:bodyPr wrap="none" rtlCol="0">
+                <a:spAutoFit/>
+              </a:bodyPr>
+              <a:lstStyle/>
+              <a:p>
+                <a:pPr/>
+                <a14:m>
+                  <m:oMathPara xmlns:m="http://schemas.openxmlformats.org/officeDocument/2006/math">
+                    <m:oMathParaPr>
+                      <m:jc m:val="centerGroup"/>
+                    </m:oMathParaPr>
+                    <m:oMath xmlns:m="http://schemas.openxmlformats.org/officeDocument/2006/math">
+                      <m:r>
+                        <a:rPr lang="en-US" b="0" i="1" smtClean="0">
+                          <a:latin typeface="Cambria Math" panose="02040503050406030204" pitchFamily="18" charset="0"/>
+                        </a:rPr>
+                        <m:t>𝐺𝑁𝐷</m:t>
+                      </m:r>
+                    </m:oMath>
+                  </m:oMathPara>
+                </a14:m>
+                <a:endParaRPr lang="en-BD" dirty="0"/>
+              </a:p>
+            </p:txBody>
+          </p:sp>
+        </mc:Choice>
+        <mc:Fallback>
+          <p:sp>
+            <p:nvSpPr>
+              <p:cNvPr id="17" name="TextBox 16">
+                <a:extLst>
+                  <a:ext uri="{FF2B5EF4-FFF2-40B4-BE49-F238E27FC236}">
+                    <a16:creationId xmlns:a16="http://schemas.microsoft.com/office/drawing/2014/main" id="{8AB2BEBB-A5DD-C714-7941-3F02C15194F0}"/>
+                  </a:ext>
+                </a:extLst>
+              </p:cNvPr>
+              <p:cNvSpPr txBox="1">
+                <a:spLocks noRot="1" noChangeAspect="1" noMove="1" noResize="1" noEditPoints="1" noAdjustHandles="1" noChangeArrowheads="1" noChangeShapeType="1" noTextEdit="1"/>
+              </p:cNvSpPr>
+              <p:nvPr/>
+            </p:nvSpPr>
+            <p:spPr>
+              <a:xfrm>
+                <a:off x="4148474" y="6413320"/>
+                <a:ext cx="718787" cy="369332"/>
+              </a:xfrm>
+              <a:prstGeom prst="rect">
+                <a:avLst/>
+              </a:prstGeom>
+              <a:blipFill>
+                <a:blip r:embed="rId14"/>
+                <a:stretch>
+                  <a:fillRect/>
+                </a:stretch>
+              </a:blipFill>
+            </p:spPr>
+            <p:txBody>
+              <a:bodyPr/>
+              <a:lstStyle/>
+              <a:p>
+                <a:r>
+                  <a:rPr lang="en-BD">
+                    <a:noFill/>
+                  </a:rPr>
+                  <a:t> </a:t>
+                </a:r>
+              </a:p>
+            </p:txBody>
+          </p:sp>
+        </mc:Fallback>
+      </mc:AlternateContent>
+      <mc:AlternateContent xmlns:mc="http://schemas.openxmlformats.org/markup-compatibility/2006">
+        <mc:Choice xmlns:a14="http://schemas.microsoft.com/office/drawing/2010/main" Requires="a14">
+          <p:sp>
+            <p:nvSpPr>
+              <p:cNvPr id="18" name="TextBox 17">
+                <a:extLst>
+                  <a:ext uri="{FF2B5EF4-FFF2-40B4-BE49-F238E27FC236}">
+                    <a16:creationId xmlns:a16="http://schemas.microsoft.com/office/drawing/2014/main" id="{BAEF1926-29BC-F803-2DB5-83466955A74E}"/>
+                  </a:ext>
+                </a:extLst>
+              </p:cNvPr>
+              <p:cNvSpPr txBox="1"/>
+              <p:nvPr/>
+            </p:nvSpPr>
+            <p:spPr>
+              <a:xfrm>
+                <a:off x="4077138" y="89569"/>
+                <a:ext cx="445122" cy="390748"/>
+              </a:xfrm>
+              <a:prstGeom prst="rect">
+                <a:avLst/>
+              </a:prstGeom>
+              <a:noFill/>
+            </p:spPr>
+            <p:txBody>
+              <a:bodyPr wrap="none" rtlCol="0">
+                <a:spAutoFit/>
+              </a:bodyPr>
+              <a:lstStyle/>
+              <a:p>
+                <a:pPr/>
+                <a14:m>
+                  <m:oMathPara xmlns:m="http://schemas.openxmlformats.org/officeDocument/2006/math">
+                    <m:oMathParaPr>
+                      <m:jc m:val="centerGroup"/>
+                    </m:oMathParaPr>
+                    <m:oMath xmlns:m="http://schemas.openxmlformats.org/officeDocument/2006/math">
+                      <m:sSub>
+                        <m:sSubPr>
+                          <m:ctrlPr>
+                            <a:rPr lang="en-US" b="0" i="1" smtClean="0">
+                              <a:latin typeface="Cambria Math" panose="02040503050406030204" pitchFamily="18" charset="0"/>
+                            </a:rPr>
+                          </m:ctrlPr>
+                        </m:sSubPr>
+                        <m:e>
+                          <m:r>
+                            <a:rPr lang="en-US" b="0" i="1" smtClean="0">
+                              <a:latin typeface="Cambria Math" panose="02040503050406030204" pitchFamily="18" charset="0"/>
+                            </a:rPr>
+                            <m:t>𝑉</m:t>
+                          </m:r>
+                        </m:e>
+                        <m:sub>
+                          <m:r>
+                            <a:rPr lang="en-US" b="0" i="1" smtClean="0">
+                              <a:latin typeface="Cambria Math" panose="02040503050406030204" pitchFamily="18" charset="0"/>
+                            </a:rPr>
+                            <m:t>𝑝</m:t>
+                          </m:r>
+                        </m:sub>
+                      </m:sSub>
+                    </m:oMath>
+                  </m:oMathPara>
+                </a14:m>
+                <a:endParaRPr lang="en-US" b="0" dirty="0"/>
+              </a:p>
+            </p:txBody>
+          </p:sp>
+        </mc:Choice>
+        <mc:Fallback>
+          <p:sp>
+            <p:nvSpPr>
+              <p:cNvPr id="18" name="TextBox 17">
+                <a:extLst>
+                  <a:ext uri="{FF2B5EF4-FFF2-40B4-BE49-F238E27FC236}">
+                    <a16:creationId xmlns:a16="http://schemas.microsoft.com/office/drawing/2014/main" id="{BAEF1926-29BC-F803-2DB5-83466955A74E}"/>
+                  </a:ext>
+                </a:extLst>
+              </p:cNvPr>
+              <p:cNvSpPr txBox="1">
+                <a:spLocks noRot="1" noChangeAspect="1" noMove="1" noResize="1" noEditPoints="1" noAdjustHandles="1" noChangeArrowheads="1" noChangeShapeType="1" noTextEdit="1"/>
+              </p:cNvSpPr>
+              <p:nvPr/>
+            </p:nvSpPr>
+            <p:spPr>
+              <a:xfrm>
+                <a:off x="4077138" y="89569"/>
+                <a:ext cx="445122" cy="390748"/>
+              </a:xfrm>
+              <a:prstGeom prst="rect">
+                <a:avLst/>
+              </a:prstGeom>
+              <a:blipFill>
+                <a:blip r:embed="rId15"/>
+                <a:stretch>
+                  <a:fillRect b="-3226"/>
+                </a:stretch>
+              </a:blipFill>
+            </p:spPr>
+            <p:txBody>
+              <a:bodyPr/>
+              <a:lstStyle/>
+              <a:p>
+                <a:r>
+                  <a:rPr lang="en-BD">
+                    <a:noFill/>
+                  </a:rPr>
+                  <a:t> </a:t>
+                </a:r>
+              </a:p>
+            </p:txBody>
+          </p:sp>
+        </mc:Fallback>
+      </mc:AlternateContent>
+      <mc:AlternateContent xmlns:mc="http://schemas.openxmlformats.org/markup-compatibility/2006">
+        <mc:Choice xmlns:a14="http://schemas.microsoft.com/office/drawing/2010/main" Requires="a14">
+          <p:sp>
+            <p:nvSpPr>
+              <p:cNvPr id="19" name="TextBox 18">
+                <a:extLst>
+                  <a:ext uri="{FF2B5EF4-FFF2-40B4-BE49-F238E27FC236}">
+                    <a16:creationId xmlns:a16="http://schemas.microsoft.com/office/drawing/2014/main" id="{46180904-0F8C-E307-172B-C021B10302BC}"/>
+                  </a:ext>
+                </a:extLst>
+              </p:cNvPr>
+              <p:cNvSpPr txBox="1"/>
+              <p:nvPr/>
+            </p:nvSpPr>
+            <p:spPr>
+              <a:xfrm>
+                <a:off x="9697082" y="4248087"/>
+                <a:ext cx="855491" cy="369332"/>
+              </a:xfrm>
+              <a:prstGeom prst="rect">
+                <a:avLst/>
+              </a:prstGeom>
+              <a:noFill/>
+            </p:spPr>
+            <p:txBody>
+              <a:bodyPr wrap="none" rtlCol="0">
+                <a:spAutoFit/>
+              </a:bodyPr>
+              <a:lstStyle/>
+              <a:p>
+                <a:pPr/>
+                <a14:m>
+                  <m:oMathPara xmlns:m="http://schemas.openxmlformats.org/officeDocument/2006/math">
+                    <m:oMathParaPr>
+                      <m:jc m:val="centerGroup"/>
+                    </m:oMathParaPr>
+                    <m:oMath xmlns:m="http://schemas.openxmlformats.org/officeDocument/2006/math">
+                      <m:r>
+                        <a:rPr lang="en-US" b="0" i="1" smtClean="0">
+                          <a:latin typeface="Cambria Math" panose="02040503050406030204" pitchFamily="18" charset="0"/>
+                        </a:rPr>
+                        <m:t>𝐶𝑎𝑟𝑟𝑦</m:t>
+                      </m:r>
+                    </m:oMath>
+                  </m:oMathPara>
+                </a14:m>
+                <a:endParaRPr lang="en-US" b="0" dirty="0"/>
+              </a:p>
+            </p:txBody>
+          </p:sp>
+        </mc:Choice>
+        <mc:Fallback>
+          <p:sp>
+            <p:nvSpPr>
+              <p:cNvPr id="19" name="TextBox 18">
+                <a:extLst>
+                  <a:ext uri="{FF2B5EF4-FFF2-40B4-BE49-F238E27FC236}">
+                    <a16:creationId xmlns:a16="http://schemas.microsoft.com/office/drawing/2014/main" id="{46180904-0F8C-E307-172B-C021B10302BC}"/>
+                  </a:ext>
+                </a:extLst>
+              </p:cNvPr>
+              <p:cNvSpPr txBox="1">
+                <a:spLocks noRot="1" noChangeAspect="1" noMove="1" noResize="1" noEditPoints="1" noAdjustHandles="1" noChangeArrowheads="1" noChangeShapeType="1" noTextEdit="1"/>
+              </p:cNvSpPr>
+              <p:nvPr/>
+            </p:nvSpPr>
+            <p:spPr>
+              <a:xfrm>
+                <a:off x="9697082" y="4248087"/>
+                <a:ext cx="855491" cy="369332"/>
+              </a:xfrm>
+              <a:prstGeom prst="rect">
+                <a:avLst/>
+              </a:prstGeom>
+              <a:blipFill>
+                <a:blip r:embed="rId16"/>
+                <a:stretch>
+                  <a:fillRect b="-13333"/>
+                </a:stretch>
+              </a:blipFill>
+            </p:spPr>
+            <p:txBody>
+              <a:bodyPr/>
+              <a:lstStyle/>
+              <a:p>
+                <a:r>
+                  <a:rPr lang="en-BD">
+                    <a:noFill/>
+                  </a:rPr>
+                  <a:t> </a:t>
+                </a:r>
+              </a:p>
+            </p:txBody>
+          </p:sp>
+        </mc:Fallback>
+      </mc:AlternateContent>
+      <mc:AlternateContent xmlns:mc="http://schemas.openxmlformats.org/markup-compatibility/2006">
+        <mc:Choice xmlns:a14="http://schemas.microsoft.com/office/drawing/2010/main" Requires="a14">
+          <p:sp>
+            <p:nvSpPr>
+              <p:cNvPr id="20" name="TextBox 19">
+                <a:extLst>
+                  <a:ext uri="{FF2B5EF4-FFF2-40B4-BE49-F238E27FC236}">
+                    <a16:creationId xmlns:a16="http://schemas.microsoft.com/office/drawing/2014/main" id="{A9745021-B74E-7F8C-D6FB-80FE4ADACC91}"/>
+                  </a:ext>
+                </a:extLst>
+              </p:cNvPr>
+              <p:cNvSpPr txBox="1"/>
+              <p:nvPr/>
+            </p:nvSpPr>
+            <p:spPr>
+              <a:xfrm>
+                <a:off x="6940720" y="2562276"/>
+                <a:ext cx="385683" cy="401970"/>
+              </a:xfrm>
+              <a:prstGeom prst="rect">
+                <a:avLst/>
+              </a:prstGeom>
+              <a:noFill/>
+            </p:spPr>
+            <p:txBody>
+              <a:bodyPr wrap="none" rtlCol="0">
+                <a:spAutoFit/>
+              </a:bodyPr>
+              <a:lstStyle/>
+              <a:p>
+                <a:pPr/>
+                <a14:m>
+                  <m:oMathPara xmlns:m="http://schemas.openxmlformats.org/officeDocument/2006/math">
+                    <m:oMathParaPr>
+                      <m:jc m:val="centerGroup"/>
+                    </m:oMathParaPr>
+                    <m:oMath xmlns:m="http://schemas.openxmlformats.org/officeDocument/2006/math">
+                      <m:bar>
+                        <m:barPr>
+                          <m:pos m:val="top"/>
+                          <m:ctrlPr>
+                            <a:rPr lang="en-BD" i="1" dirty="0" smtClean="0">
+                              <a:latin typeface="Cambria Math" panose="02040503050406030204" pitchFamily="18" charset="0"/>
+                            </a:rPr>
+                          </m:ctrlPr>
+                        </m:barPr>
+                        <m:e>
+                          <m:r>
+                            <a:rPr lang="en-US" b="0" i="1" dirty="0" smtClean="0">
+                              <a:latin typeface="Cambria Math" panose="02040503050406030204" pitchFamily="18" charset="0"/>
+                            </a:rPr>
+                            <m:t>𝐴</m:t>
+                          </m:r>
+                        </m:e>
+                      </m:bar>
+                    </m:oMath>
+                  </m:oMathPara>
+                </a14:m>
+                <a:endParaRPr lang="en-BD" dirty="0"/>
+              </a:p>
+            </p:txBody>
+          </p:sp>
+        </mc:Choice>
+        <mc:Fallback>
+          <p:sp>
+            <p:nvSpPr>
+              <p:cNvPr id="20" name="TextBox 19">
+                <a:extLst>
+                  <a:ext uri="{FF2B5EF4-FFF2-40B4-BE49-F238E27FC236}">
+                    <a16:creationId xmlns:a16="http://schemas.microsoft.com/office/drawing/2014/main" id="{A9745021-B74E-7F8C-D6FB-80FE4ADACC91}"/>
+                  </a:ext>
+                </a:extLst>
+              </p:cNvPr>
+              <p:cNvSpPr txBox="1">
+                <a:spLocks noRot="1" noChangeAspect="1" noMove="1" noResize="1" noEditPoints="1" noAdjustHandles="1" noChangeArrowheads="1" noChangeShapeType="1" noTextEdit="1"/>
+              </p:cNvSpPr>
+              <p:nvPr/>
+            </p:nvSpPr>
+            <p:spPr>
+              <a:xfrm>
+                <a:off x="6940720" y="2562276"/>
+                <a:ext cx="385683" cy="401970"/>
+              </a:xfrm>
+              <a:prstGeom prst="rect">
+                <a:avLst/>
+              </a:prstGeom>
+              <a:blipFill>
+                <a:blip r:embed="rId17"/>
+                <a:stretch>
+                  <a:fillRect/>
+                </a:stretch>
+              </a:blipFill>
+            </p:spPr>
+            <p:txBody>
+              <a:bodyPr/>
+              <a:lstStyle/>
+              <a:p>
+                <a:r>
+                  <a:rPr lang="en-BD">
+                    <a:noFill/>
+                  </a:rPr>
+                  <a:t> </a:t>
+                </a:r>
+              </a:p>
+            </p:txBody>
+          </p:sp>
+        </mc:Fallback>
+      </mc:AlternateContent>
+      <mc:AlternateContent xmlns:mc="http://schemas.openxmlformats.org/markup-compatibility/2006">
+        <mc:Choice xmlns:a14="http://schemas.microsoft.com/office/drawing/2010/main" Requires="a14">
+          <p:sp>
+            <p:nvSpPr>
+              <p:cNvPr id="21" name="TextBox 20">
+                <a:extLst>
+                  <a:ext uri="{FF2B5EF4-FFF2-40B4-BE49-F238E27FC236}">
+                    <a16:creationId xmlns:a16="http://schemas.microsoft.com/office/drawing/2014/main" id="{509754FE-53EC-7662-5A7D-F39A946CCD08}"/>
+                  </a:ext>
+                </a:extLst>
+              </p:cNvPr>
+              <p:cNvSpPr txBox="1"/>
+              <p:nvPr/>
+            </p:nvSpPr>
+            <p:spPr>
+              <a:xfrm>
+                <a:off x="6934699" y="3498636"/>
+                <a:ext cx="396069" cy="400110"/>
+              </a:xfrm>
+              <a:prstGeom prst="rect">
+                <a:avLst/>
+              </a:prstGeom>
+              <a:noFill/>
+            </p:spPr>
+            <p:txBody>
+              <a:bodyPr wrap="none" rtlCol="0">
+                <a:spAutoFit/>
+              </a:bodyPr>
+              <a:lstStyle/>
+              <a:p>
+                <a:pPr/>
+                <a14:m>
+                  <m:oMathPara xmlns:m="http://schemas.openxmlformats.org/officeDocument/2006/math">
+                    <m:oMathParaPr>
+                      <m:jc m:val="centerGroup"/>
+                    </m:oMathParaPr>
+                    <m:oMath xmlns:m="http://schemas.openxmlformats.org/officeDocument/2006/math">
+                      <m:bar>
+                        <m:barPr>
+                          <m:pos m:val="top"/>
+                          <m:ctrlPr>
+                            <a:rPr lang="en-BD" i="1" dirty="0" smtClean="0">
+                              <a:latin typeface="Cambria Math" panose="02040503050406030204" pitchFamily="18" charset="0"/>
+                            </a:rPr>
+                          </m:ctrlPr>
+                        </m:barPr>
+                        <m:e>
+                          <m:r>
+                            <a:rPr lang="en-US" b="0" i="1" dirty="0" smtClean="0">
+                              <a:latin typeface="Cambria Math" panose="02040503050406030204" pitchFamily="18" charset="0"/>
+                            </a:rPr>
+                            <m:t>𝐵</m:t>
+                          </m:r>
+                        </m:e>
+                      </m:bar>
+                    </m:oMath>
+                  </m:oMathPara>
+                </a14:m>
+                <a:endParaRPr lang="en-BD" dirty="0"/>
+              </a:p>
+            </p:txBody>
+          </p:sp>
+        </mc:Choice>
+        <mc:Fallback>
+          <p:sp>
+            <p:nvSpPr>
+              <p:cNvPr id="21" name="TextBox 20">
+                <a:extLst>
+                  <a:ext uri="{FF2B5EF4-FFF2-40B4-BE49-F238E27FC236}">
+                    <a16:creationId xmlns:a16="http://schemas.microsoft.com/office/drawing/2014/main" id="{509754FE-53EC-7662-5A7D-F39A946CCD08}"/>
+                  </a:ext>
+                </a:extLst>
+              </p:cNvPr>
+              <p:cNvSpPr txBox="1">
+                <a:spLocks noRot="1" noChangeAspect="1" noMove="1" noResize="1" noEditPoints="1" noAdjustHandles="1" noChangeArrowheads="1" noChangeShapeType="1" noTextEdit="1"/>
+              </p:cNvSpPr>
+              <p:nvPr/>
+            </p:nvSpPr>
+            <p:spPr>
+              <a:xfrm>
+                <a:off x="6934699" y="3498636"/>
+                <a:ext cx="396069" cy="400110"/>
+              </a:xfrm>
+              <a:prstGeom prst="rect">
+                <a:avLst/>
+              </a:prstGeom>
+              <a:blipFill>
+                <a:blip r:embed="rId18"/>
+                <a:stretch>
+                  <a:fillRect/>
+                </a:stretch>
+              </a:blipFill>
+            </p:spPr>
+            <p:txBody>
+              <a:bodyPr/>
+              <a:lstStyle/>
+              <a:p>
+                <a:r>
+                  <a:rPr lang="en-BD">
+                    <a:noFill/>
+                  </a:rPr>
+                  <a:t> </a:t>
+                </a:r>
+              </a:p>
+            </p:txBody>
+          </p:sp>
+        </mc:Fallback>
+      </mc:AlternateContent>
+      <mc:AlternateContent xmlns:mc="http://schemas.openxmlformats.org/markup-compatibility/2006">
+        <mc:Choice xmlns:a14="http://schemas.microsoft.com/office/drawing/2010/main" Requires="a14">
+          <p:sp>
+            <p:nvSpPr>
+              <p:cNvPr id="22" name="TextBox 21">
+                <a:extLst>
+                  <a:ext uri="{FF2B5EF4-FFF2-40B4-BE49-F238E27FC236}">
+                    <a16:creationId xmlns:a16="http://schemas.microsoft.com/office/drawing/2014/main" id="{E9DFCC36-9B4C-03D1-FC95-05521EFC58A7}"/>
+                  </a:ext>
+                </a:extLst>
+              </p:cNvPr>
+              <p:cNvSpPr txBox="1"/>
+              <p:nvPr/>
+            </p:nvSpPr>
+            <p:spPr>
+              <a:xfrm>
+                <a:off x="6068067" y="4904200"/>
+                <a:ext cx="201016" cy="276999"/>
+              </a:xfrm>
+              <a:prstGeom prst="rect">
+                <a:avLst/>
+              </a:prstGeom>
+              <a:noFill/>
+            </p:spPr>
+            <p:txBody>
+              <a:bodyPr wrap="none" lIns="0" tIns="0" rIns="0" bIns="0" rtlCol="0">
+                <a:spAutoFit/>
+              </a:bodyPr>
+              <a:lstStyle/>
+              <a:p>
+                <a:pPr/>
+                <a14:m>
+                  <m:oMathPara xmlns:m="http://schemas.openxmlformats.org/officeDocument/2006/math">
+                    <m:oMathParaPr>
+                      <m:jc m:val="centerGroup"/>
+                    </m:oMathParaPr>
+                    <m:oMath xmlns:m="http://schemas.openxmlformats.org/officeDocument/2006/math">
+                      <m:r>
+                        <a:rPr lang="en-US" b="0" i="1" smtClean="0">
+                          <a:latin typeface="Cambria Math" panose="02040503050406030204" pitchFamily="18" charset="0"/>
+                        </a:rPr>
+                        <m:t>𝐴</m:t>
+                      </m:r>
+                    </m:oMath>
+                  </m:oMathPara>
+                </a14:m>
+                <a:endParaRPr lang="en-BD" dirty="0"/>
+              </a:p>
+            </p:txBody>
+          </p:sp>
+        </mc:Choice>
+        <mc:Fallback>
+          <p:sp>
+            <p:nvSpPr>
+              <p:cNvPr id="22" name="TextBox 21">
+                <a:extLst>
+                  <a:ext uri="{FF2B5EF4-FFF2-40B4-BE49-F238E27FC236}">
+                    <a16:creationId xmlns:a16="http://schemas.microsoft.com/office/drawing/2014/main" id="{E9DFCC36-9B4C-03D1-FC95-05521EFC58A7}"/>
+                  </a:ext>
+                </a:extLst>
+              </p:cNvPr>
+              <p:cNvSpPr txBox="1">
+                <a:spLocks noRot="1" noChangeAspect="1" noMove="1" noResize="1" noEditPoints="1" noAdjustHandles="1" noChangeArrowheads="1" noChangeShapeType="1" noTextEdit="1"/>
+              </p:cNvSpPr>
+              <p:nvPr/>
+            </p:nvSpPr>
+            <p:spPr>
+              <a:xfrm>
+                <a:off x="6068067" y="4904200"/>
+                <a:ext cx="201016" cy="276999"/>
+              </a:xfrm>
+              <a:prstGeom prst="rect">
+                <a:avLst/>
+              </a:prstGeom>
+              <a:blipFill>
+                <a:blip r:embed="rId19"/>
+                <a:stretch>
+                  <a:fillRect l="-23529" r="-23529" b="-4167"/>
+                </a:stretch>
+              </a:blipFill>
+            </p:spPr>
+            <p:txBody>
+              <a:bodyPr/>
+              <a:lstStyle/>
+              <a:p>
+                <a:r>
+                  <a:rPr lang="en-BD">
+                    <a:noFill/>
+                  </a:rPr>
+                  <a:t> </a:t>
+                </a:r>
+              </a:p>
+            </p:txBody>
+          </p:sp>
+        </mc:Fallback>
+      </mc:AlternateContent>
+      <mc:AlternateContent xmlns:mc="http://schemas.openxmlformats.org/markup-compatibility/2006">
+        <mc:Choice xmlns:a14="http://schemas.microsoft.com/office/drawing/2010/main" Requires="a14">
+          <p:sp>
+            <p:nvSpPr>
+              <p:cNvPr id="23" name="TextBox 22">
+                <a:extLst>
+                  <a:ext uri="{FF2B5EF4-FFF2-40B4-BE49-F238E27FC236}">
+                    <a16:creationId xmlns:a16="http://schemas.microsoft.com/office/drawing/2014/main" id="{4773F4B8-6B18-E331-DDFA-CED89D509654}"/>
+                  </a:ext>
+                </a:extLst>
+              </p:cNvPr>
+              <p:cNvSpPr txBox="1"/>
+              <p:nvPr/>
+            </p:nvSpPr>
+            <p:spPr>
+              <a:xfrm>
+                <a:off x="7964501" y="4904199"/>
+                <a:ext cx="211404" cy="276999"/>
+              </a:xfrm>
+              <a:prstGeom prst="rect">
+                <a:avLst/>
+              </a:prstGeom>
+              <a:noFill/>
+            </p:spPr>
+            <p:txBody>
+              <a:bodyPr wrap="none" lIns="0" tIns="0" rIns="0" bIns="0" rtlCol="0">
+                <a:spAutoFit/>
+              </a:bodyPr>
+              <a:lstStyle/>
+              <a:p>
+                <a:pPr/>
+                <a14:m>
+                  <m:oMathPara xmlns:m="http://schemas.openxmlformats.org/officeDocument/2006/math">
+                    <m:oMathParaPr>
+                      <m:jc m:val="centerGroup"/>
+                    </m:oMathParaPr>
+                    <m:oMath xmlns:m="http://schemas.openxmlformats.org/officeDocument/2006/math">
+                      <m:r>
+                        <a:rPr lang="en-US" b="0" i="1" smtClean="0">
+                          <a:latin typeface="Cambria Math" panose="02040503050406030204" pitchFamily="18" charset="0"/>
+                        </a:rPr>
+                        <m:t>𝐵</m:t>
+                      </m:r>
+                    </m:oMath>
+                  </m:oMathPara>
+                </a14:m>
+                <a:endParaRPr lang="en-BD" dirty="0"/>
+              </a:p>
+            </p:txBody>
+          </p:sp>
+        </mc:Choice>
+        <mc:Fallback>
+          <p:sp>
+            <p:nvSpPr>
+              <p:cNvPr id="23" name="TextBox 22">
+                <a:extLst>
+                  <a:ext uri="{FF2B5EF4-FFF2-40B4-BE49-F238E27FC236}">
+                    <a16:creationId xmlns:a16="http://schemas.microsoft.com/office/drawing/2014/main" id="{4773F4B8-6B18-E331-DDFA-CED89D509654}"/>
+                  </a:ext>
+                </a:extLst>
+              </p:cNvPr>
+              <p:cNvSpPr txBox="1">
+                <a:spLocks noRot="1" noChangeAspect="1" noMove="1" noResize="1" noEditPoints="1" noAdjustHandles="1" noChangeArrowheads="1" noChangeShapeType="1" noTextEdit="1"/>
+              </p:cNvSpPr>
+              <p:nvPr/>
+            </p:nvSpPr>
+            <p:spPr>
+              <a:xfrm>
+                <a:off x="7964501" y="4904199"/>
+                <a:ext cx="211404" cy="276999"/>
+              </a:xfrm>
+              <a:prstGeom prst="rect">
+                <a:avLst/>
+              </a:prstGeom>
+              <a:blipFill>
+                <a:blip r:embed="rId20"/>
+                <a:stretch>
+                  <a:fillRect l="-23529" r="-23529" b="-4167"/>
+                </a:stretch>
+              </a:blipFill>
+            </p:spPr>
+            <p:txBody>
+              <a:bodyPr/>
+              <a:lstStyle/>
+              <a:p>
+                <a:r>
+                  <a:rPr lang="en-BD">
+                    <a:noFill/>
+                  </a:rPr>
+                  <a:t> </a:t>
+                </a:r>
+              </a:p>
+            </p:txBody>
+          </p:sp>
+        </mc:Fallback>
+      </mc:AlternateContent>
+    </p:spTree>
+    <p:extLst>
+      <p:ext uri="{BB962C8B-B14F-4D97-AF65-F5344CB8AC3E}">
+        <p14:creationId xmlns:p14="http://schemas.microsoft.com/office/powerpoint/2010/main" val="3471694253"/>
       </p:ext>
     </p:extLst>
   </p:cSld>
